--- a/scratch-leapmotion/instructions/en/Assignment_Diver.pptx
+++ b/scratch-leapmotion/instructions/en/Assignment_Diver.pptx
@@ -222,7 +222,7 @@
           <a:p>
             <a:fld id="{FD5240AD-D0E5-8743-BED0-4875EEDE37D1}" type="datetimeFigureOut">
               <a:rPr lang="en-US" smtClean="0"/>
-              <a:t>20/10/15</a:t>
+              <a:t>21/10/15</a:t>
             </a:fld>
             <a:endParaRPr lang="en-US"/>
           </a:p>
@@ -288,7 +288,7 @@
           <a:p>
             <a:fld id="{279E9EA6-BBB3-1E40-BFD1-2E852B6140C4}" type="slidenum">
               <a:rPr lang="en-US" smtClean="0"/>
-              <a:t>‹nr.›</a:t>
+              <a:t>‹#›</a:t>
             </a:fld>
             <a:endParaRPr lang="en-US"/>
           </a:p>
@@ -388,7 +388,7 @@
           <a:p>
             <a:fld id="{59F1AF83-5EC3-2645-9357-E8053F4E6264}" type="datetimeFigureOut">
               <a:rPr lang="en-US" smtClean="0"/>
-              <a:t>20/10/15</a:t>
+              <a:t>21/10/15</a:t>
             </a:fld>
             <a:endParaRPr lang="en-US"/>
           </a:p>
@@ -547,7 +547,7 @@
           <a:p>
             <a:fld id="{019186DE-8459-354D-92FA-6DAD5BD2E459}" type="slidenum">
               <a:rPr lang="en-US" smtClean="0"/>
-              <a:t>‹nr.›</a:t>
+              <a:t>‹#›</a:t>
             </a:fld>
             <a:endParaRPr lang="en-US"/>
           </a:p>
@@ -1136,7 +1136,7 @@
             <a:fld id="{6C0001A9-357E-7541-840E-1F18FD9D64CA}" type="slidenum">
               <a:rPr lang="en-US" smtClean="0"/>
               <a:pPr algn="r"/>
-              <a:t>‹nr.›</a:t>
+              <a:t>‹#›</a:t>
             </a:fld>
             <a:endParaRPr lang="en-US" dirty="0"/>
           </a:p>
@@ -1421,7 +1421,7 @@
             <a:fld id="{6C0001A9-357E-7541-840E-1F18FD9D64CA}" type="slidenum">
               <a:rPr lang="en-US" smtClean="0"/>
               <a:pPr algn="r"/>
-              <a:t>‹nr.›</a:t>
+              <a:t>‹#›</a:t>
             </a:fld>
             <a:endParaRPr lang="en-US" dirty="0"/>
           </a:p>
@@ -1744,7 +1744,7 @@
             <a:fld id="{6C0001A9-357E-7541-840E-1F18FD9D64CA}" type="slidenum">
               <a:rPr lang="en-US" smtClean="0"/>
               <a:pPr/>
-              <a:t>‹nr.›</a:t>
+              <a:t>‹#›</a:t>
             </a:fld>
             <a:endParaRPr lang="en-US" dirty="0"/>
           </a:p>
@@ -2083,7 +2083,7 @@
             <a:fld id="{6C0001A9-357E-7541-840E-1F18FD9D64CA}" type="slidenum">
               <a:rPr lang="en-US" smtClean="0"/>
               <a:pPr algn="r"/>
-              <a:t>‹nr.›</a:t>
+              <a:t>‹#›</a:t>
             </a:fld>
             <a:endParaRPr lang="en-US" dirty="0"/>
           </a:p>
@@ -2589,7 +2589,7 @@
             <a:fld id="{6C0001A9-357E-7541-840E-1F18FD9D64CA}" type="slidenum">
               <a:rPr lang="en-US" smtClean="0"/>
               <a:pPr algn="r"/>
-              <a:t>‹nr.›</a:t>
+              <a:t>‹#›</a:t>
             </a:fld>
             <a:endParaRPr lang="en-US" dirty="0"/>
           </a:p>
@@ -2783,7 +2783,7 @@
             <a:fld id="{6C0001A9-357E-7541-840E-1F18FD9D64CA}" type="slidenum">
               <a:rPr lang="en-US" smtClean="0"/>
               <a:pPr algn="r"/>
-              <a:t>‹nr.›</a:t>
+              <a:t>‹#›</a:t>
             </a:fld>
             <a:endParaRPr lang="en-US" dirty="0"/>
           </a:p>
@@ -2977,7 +2977,7 @@
             <a:fld id="{6C0001A9-357E-7541-840E-1F18FD9D64CA}" type="slidenum">
               <a:rPr lang="en-US" smtClean="0"/>
               <a:pPr algn="r"/>
-              <a:t>‹nr.›</a:t>
+              <a:t>‹#›</a:t>
             </a:fld>
             <a:endParaRPr lang="en-US" dirty="0"/>
           </a:p>
@@ -3359,7 +3359,7 @@
             <a:fld id="{6C0001A9-357E-7541-840E-1F18FD9D64CA}" type="slidenum">
               <a:rPr lang="en-US" smtClean="0"/>
               <a:pPr algn="r"/>
-              <a:t>‹nr.›</a:t>
+              <a:t>‹#›</a:t>
             </a:fld>
             <a:endParaRPr lang="en-US" dirty="0"/>
           </a:p>
@@ -3661,7 +3661,7 @@
             <a:fld id="{6C0001A9-357E-7541-840E-1F18FD9D64CA}" type="slidenum">
               <a:rPr lang="en-US" smtClean="0"/>
               <a:pPr algn="r"/>
-              <a:t>‹nr.›</a:t>
+              <a:t>‹#›</a:t>
             </a:fld>
             <a:endParaRPr lang="en-US" dirty="0"/>
           </a:p>
@@ -4191,18 +4191,22 @@
           <a:lstStyle/>
           <a:p>
             <a:r>
-              <a:rPr lang="nl-NL" dirty="0" err="1" smtClean="0"/>
+              <a:rPr lang="en-US" dirty="0" smtClean="0"/>
               <a:t>Assignment</a:t>
             </a:r>
             <a:r>
               <a:rPr lang="nl-NL" dirty="0" smtClean="0"/>
-              <a:t> - </a:t>
-            </a:r>
-            <a:r>
-              <a:rPr lang="nl-NL" dirty="0" err="1" smtClean="0"/>
+              <a:t> </a:t>
+            </a:r>
+            <a:r>
+              <a:rPr lang="nl-NL" dirty="0" smtClean="0"/>
+              <a:t>- </a:t>
+            </a:r>
+            <a:r>
+              <a:rPr lang="en-US" dirty="0" smtClean="0"/>
               <a:t>Diver</a:t>
             </a:r>
-            <a:endParaRPr lang="nl-NL" dirty="0"/>
+            <a:endParaRPr lang="en-US" dirty="0"/>
           </a:p>
         </p:txBody>
       </p:sp>
@@ -4371,14 +4375,7 @@
                 <a:latin typeface="Comic Sans MS"/>
                 <a:cs typeface="Comic Sans MS"/>
               </a:rPr>
-              <a:t> mouse, </a:t>
-            </a:r>
-            <a:r>
-              <a:rPr lang="nl-NL" dirty="0" smtClean="0">
-                <a:latin typeface="Comic Sans MS"/>
-                <a:cs typeface="Comic Sans MS"/>
-              </a:rPr>
-              <a:t>click the </a:t>
+              <a:t> mouse, click the </a:t>
             </a:r>
             <a:r>
               <a:rPr lang="nl-NL" dirty="0" err="1" smtClean="0">
@@ -4420,7 +4417,14 @@
                 <a:latin typeface="Comic Sans MS"/>
                 <a:cs typeface="Comic Sans MS"/>
               </a:rPr>
-              <a:t> click </a:t>
+              <a:t> </a:t>
+            </a:r>
+            <a:r>
+              <a:rPr lang="nl-NL" dirty="0" smtClean="0">
+                <a:latin typeface="Comic Sans MS"/>
+                <a:cs typeface="Comic Sans MS"/>
+              </a:rPr>
+              <a:t>click on </a:t>
             </a:r>
             <a:r>
               <a:rPr lang="nl-NL" dirty="0" err="1" smtClean="0">
@@ -4528,10 +4532,6 @@
               </a:rPr>
               <a:t>.</a:t>
             </a:r>
-            <a:endParaRPr lang="nl-NL" dirty="0" smtClean="0">
-              <a:latin typeface="Comic Sans MS"/>
-              <a:cs typeface="Comic Sans MS"/>
-            </a:endParaRPr>
           </a:p>
           <a:p>
             <a:endParaRPr lang="nl-NL" dirty="0" smtClean="0">
@@ -4807,8 +4807,8 @@
         </p:blipFill>
         <p:spPr>
           <a:xfrm>
-            <a:off x="4214245" y="1271975"/>
-            <a:ext cx="3911600" cy="4546600"/>
+            <a:off x="4214245" y="1760915"/>
+            <a:ext cx="3911600" cy="4057659"/>
           </a:xfrm>
           <a:prstGeom prst="rect">
             <a:avLst/>
@@ -4903,7 +4903,7 @@
         </p:nvSpPr>
         <p:spPr>
           <a:xfrm>
-            <a:off x="556382" y="1390952"/>
+            <a:off x="556382" y="1760915"/>
             <a:ext cx="3432589" cy="3139321"/>
           </a:xfrm>
           <a:prstGeom prst="rect">
@@ -5020,10 +5020,6 @@
               </a:rPr>
               <a:t>on the ‘end game’ screen.</a:t>
             </a:r>
-            <a:endParaRPr lang="nl-NL" dirty="0" smtClean="0">
-              <a:latin typeface="Comic Sans MS"/>
-              <a:cs typeface="Comic Sans MS"/>
-            </a:endParaRPr>
           </a:p>
           <a:p>
             <a:pPr marL="285750" indent="-285750">
@@ -5072,10 +5068,6 @@
               </a:rPr>
               <a:t>.</a:t>
             </a:r>
-            <a:endParaRPr lang="nl-NL" dirty="0" smtClean="0">
-              <a:latin typeface="Comic Sans MS"/>
-              <a:cs typeface="Comic Sans MS"/>
-            </a:endParaRPr>
           </a:p>
           <a:p>
             <a:pPr marL="285750" indent="-285750">
@@ -5171,7 +5163,7 @@
         </p:nvSpPr>
         <p:spPr>
           <a:xfrm>
-            <a:off x="5309594" y="1247778"/>
+            <a:off x="5309594" y="1672905"/>
             <a:ext cx="1094226" cy="514238"/>
           </a:xfrm>
           <a:prstGeom prst="roundRect">
@@ -5351,21 +5343,14 @@
                 <a:latin typeface="Comic Sans MS"/>
                 <a:cs typeface="Comic Sans MS"/>
               </a:rPr>
-              <a:t>In </a:t>
-            </a:r>
-            <a:r>
-              <a:rPr lang="nl-NL" dirty="0" smtClean="0">
-                <a:latin typeface="Comic Sans MS"/>
-                <a:cs typeface="Comic Sans MS"/>
-              </a:rPr>
-              <a:t>Scratch </a:t>
-            </a:r>
-            <a:r>
-              <a:rPr lang="nl-NL" dirty="0" err="1" smtClean="0">
-                <a:latin typeface="Comic Sans MS"/>
-                <a:cs typeface="Comic Sans MS"/>
-              </a:rPr>
-              <a:t>you</a:t>
+              <a:t>In Scratch </a:t>
+            </a:r>
+            <a:r>
+              <a:rPr lang="nl-NL" dirty="0" err="1" smtClean="0">
+                <a:latin typeface="Comic Sans MS"/>
+                <a:cs typeface="Comic Sans MS"/>
+              </a:rPr>
+              <a:t>your</a:t>
             </a:r>
             <a:r>
               <a:rPr lang="nl-NL" dirty="0" smtClean="0">
@@ -5379,6 +5364,20 @@
                 <a:latin typeface="Comic Sans MS"/>
                 <a:cs typeface="Comic Sans MS"/>
               </a:rPr>
+              <a:t>sprites</a:t>
+            </a:r>
+            <a:r>
+              <a:rPr lang="nl-NL" dirty="0" smtClean="0">
+                <a:latin typeface="Comic Sans MS"/>
+                <a:cs typeface="Comic Sans MS"/>
+              </a:rPr>
+              <a:t> </a:t>
+            </a:r>
+            <a:r>
+              <a:rPr lang="nl-NL" dirty="0" err="1" smtClean="0">
+                <a:latin typeface="Comic Sans MS"/>
+                <a:cs typeface="Comic Sans MS"/>
+              </a:rPr>
               <a:t>can</a:t>
             </a:r>
             <a:r>
@@ -5393,7 +5392,7 @@
                 <a:latin typeface="Comic Sans MS"/>
                 <a:cs typeface="Comic Sans MS"/>
               </a:rPr>
-              <a:t>also</a:t>
+              <a:t>send</a:t>
             </a:r>
             <a:r>
               <a:rPr lang="nl-NL" dirty="0" smtClean="0">
@@ -5407,7 +5406,21 @@
                 <a:latin typeface="Comic Sans MS"/>
                 <a:cs typeface="Comic Sans MS"/>
               </a:rPr>
-              <a:t>send</a:t>
+              <a:t>messages</a:t>
+            </a:r>
+            <a:r>
+              <a:rPr lang="nl-NL" dirty="0" smtClean="0">
+                <a:latin typeface="Comic Sans MS"/>
+                <a:cs typeface="Comic Sans MS"/>
+              </a:rPr>
+              <a:t>. </a:t>
+            </a:r>
+            <a:r>
+              <a:rPr lang="nl-NL" dirty="0" err="1" smtClean="0">
+                <a:latin typeface="Comic Sans MS"/>
+                <a:cs typeface="Comic Sans MS"/>
+              </a:rPr>
+              <a:t>Other</a:t>
             </a:r>
             <a:r>
               <a:rPr lang="nl-NL" dirty="0" smtClean="0">
@@ -5421,35 +5434,7 @@
                 <a:latin typeface="Comic Sans MS"/>
                 <a:cs typeface="Comic Sans MS"/>
               </a:rPr>
-              <a:t>messages</a:t>
-            </a:r>
-            <a:r>
-              <a:rPr lang="nl-NL" dirty="0" smtClean="0">
-                <a:latin typeface="Comic Sans MS"/>
-                <a:cs typeface="Comic Sans MS"/>
-              </a:rPr>
-              <a:t>. </a:t>
-            </a:r>
-            <a:r>
-              <a:rPr lang="nl-NL" dirty="0" err="1" smtClean="0">
-                <a:latin typeface="Comic Sans MS"/>
-                <a:cs typeface="Comic Sans MS"/>
-              </a:rPr>
-              <a:t>Other</a:t>
-            </a:r>
-            <a:r>
-              <a:rPr lang="nl-NL" dirty="0" smtClean="0">
-                <a:latin typeface="Comic Sans MS"/>
-                <a:cs typeface="Comic Sans MS"/>
-              </a:rPr>
-              <a:t> </a:t>
-            </a:r>
-            <a:r>
-              <a:rPr lang="nl-NL" dirty="0" err="1" smtClean="0">
-                <a:latin typeface="Comic Sans MS"/>
-                <a:cs typeface="Comic Sans MS"/>
-              </a:rPr>
-              <a:t>things</a:t>
+              <a:t>sprites</a:t>
             </a:r>
             <a:r>
               <a:rPr lang="nl-NL" dirty="0" smtClean="0">
@@ -5645,10 +5630,6 @@
               </a:rPr>
               <a:t>.</a:t>
             </a:r>
-            <a:endParaRPr lang="nl-NL" dirty="0" smtClean="0">
-              <a:latin typeface="Comic Sans MS"/>
-              <a:cs typeface="Comic Sans MS"/>
-            </a:endParaRPr>
           </a:p>
           <a:p>
             <a:endParaRPr lang="nl-NL" dirty="0" smtClean="0">
@@ -5918,10 +5899,6 @@
               </a:rPr>
               <a:t>.</a:t>
             </a:r>
-            <a:endParaRPr lang="nl-NL" dirty="0" smtClean="0">
-              <a:latin typeface="Comic Sans MS"/>
-              <a:cs typeface="Comic Sans MS"/>
-            </a:endParaRPr>
           </a:p>
           <a:p>
             <a:endParaRPr lang="nl-NL" dirty="0" smtClean="0">
@@ -6114,8 +6091,8 @@
         </p:blipFill>
         <p:spPr>
           <a:xfrm>
-            <a:off x="4650393" y="1118030"/>
-            <a:ext cx="4215416" cy="5035610"/>
+            <a:off x="4650393" y="1624062"/>
+            <a:ext cx="4215416" cy="4529578"/>
           </a:xfrm>
           <a:prstGeom prst="rect">
             <a:avLst/>
@@ -6285,18 +6262,14 @@
               </a:rPr>
               <a:t>’ building block.</a:t>
             </a:r>
+          </a:p>
+          <a:p>
             <a:endParaRPr lang="nl-NL" dirty="0" smtClean="0">
               <a:latin typeface="Comic Sans MS"/>
               <a:cs typeface="Comic Sans MS"/>
             </a:endParaRPr>
           </a:p>
           <a:p>
-            <a:endParaRPr lang="nl-NL" dirty="0" smtClean="0">
-              <a:latin typeface="Comic Sans MS"/>
-              <a:cs typeface="Comic Sans MS"/>
-            </a:endParaRPr>
-          </a:p>
-          <a:p>
             <a:r>
               <a:rPr lang="nl-NL" dirty="0" err="1" smtClean="0">
                 <a:latin typeface="Comic Sans MS"/>
@@ -6323,14 +6296,7 @@
                 <a:latin typeface="Comic Sans MS"/>
                 <a:cs typeface="Comic Sans MS"/>
               </a:rPr>
-              <a:t> the building block</a:t>
-            </a:r>
-            <a:r>
-              <a:rPr lang="nl-NL" dirty="0" smtClean="0">
-                <a:latin typeface="Comic Sans MS"/>
-                <a:cs typeface="Comic Sans MS"/>
-              </a:rPr>
-              <a:t> ‘</a:t>
+              <a:t> the building block ‘</a:t>
             </a:r>
             <a:r>
               <a:rPr lang="nl-NL" dirty="0" err="1" smtClean="0">
@@ -6368,21 +6334,28 @@
                 <a:latin typeface="Comic Sans MS"/>
                 <a:cs typeface="Comic Sans MS"/>
               </a:rPr>
-              <a:t>an</a:t>
-            </a:r>
-            <a:r>
-              <a:rPr lang="nl-NL" dirty="0" err="1" smtClean="0">
-                <a:latin typeface="Comic Sans MS"/>
-                <a:cs typeface="Comic Sans MS"/>
-              </a:rPr>
-              <a:t>d</a:t>
-            </a:r>
-            <a:r>
-              <a:rPr lang="nl-NL" dirty="0" smtClean="0">
-                <a:latin typeface="Comic Sans MS"/>
-                <a:cs typeface="Comic Sans MS"/>
-              </a:rPr>
-              <a:t> put </a:t>
+              <a:t>and</a:t>
+            </a:r>
+            <a:r>
+              <a:rPr lang="nl-NL" dirty="0" smtClean="0">
+                <a:latin typeface="Comic Sans MS"/>
+                <a:cs typeface="Comic Sans MS"/>
+              </a:rPr>
+              <a:t> </a:t>
+            </a:r>
+            <a:r>
+              <a:rPr lang="nl-NL" dirty="0" err="1" smtClean="0">
+                <a:latin typeface="Comic Sans MS"/>
+                <a:cs typeface="Comic Sans MS"/>
+              </a:rPr>
+              <a:t>attach</a:t>
+            </a:r>
+            <a:r>
+              <a:rPr lang="nl-NL" dirty="0" smtClean="0">
+                <a:latin typeface="Comic Sans MS"/>
+                <a:cs typeface="Comic Sans MS"/>
+              </a:rPr>
+              <a:t> </a:t>
             </a:r>
             <a:r>
               <a:rPr lang="nl-NL" dirty="0" err="1" smtClean="0">
@@ -6403,14 +6376,21 @@
                 <a:latin typeface="Comic Sans MS"/>
                 <a:cs typeface="Comic Sans MS"/>
               </a:rPr>
-              <a:t>just</a:t>
-            </a:r>
-            <a:r>
-              <a:rPr lang="nl-NL" dirty="0" smtClean="0">
-                <a:latin typeface="Comic Sans MS"/>
-                <a:cs typeface="Comic Sans MS"/>
-              </a:rPr>
-              <a:t> below the </a:t>
+              <a:t>underneath</a:t>
+            </a:r>
+            <a:r>
+              <a:rPr lang="nl-NL" dirty="0" smtClean="0">
+                <a:latin typeface="Comic Sans MS"/>
+                <a:cs typeface="Comic Sans MS"/>
+              </a:rPr>
+              <a:t> </a:t>
+            </a:r>
+            <a:r>
+              <a:rPr lang="nl-NL" dirty="0" smtClean="0">
+                <a:latin typeface="Comic Sans MS"/>
+                <a:cs typeface="Comic Sans MS"/>
+              </a:rPr>
+              <a:t>the </a:t>
             </a:r>
             <a:r>
               <a:rPr lang="nl-NL" dirty="0" err="1" smtClean="0">
@@ -6424,12 +6404,22 @@
                 <a:latin typeface="Comic Sans MS"/>
                 <a:cs typeface="Comic Sans MS"/>
               </a:rPr>
-              <a:t> block.</a:t>
-            </a:r>
-            <a:endParaRPr lang="nl-NL" dirty="0" smtClean="0">
-              <a:latin typeface="Comic Sans MS"/>
-              <a:cs typeface="Comic Sans MS"/>
-            </a:endParaRPr>
+              <a:t> </a:t>
+            </a:r>
+            <a:r>
+              <a:rPr lang="nl-NL" dirty="0" smtClean="0">
+                <a:latin typeface="Comic Sans MS"/>
+                <a:cs typeface="Comic Sans MS"/>
+              </a:rPr>
+              <a:t>block</a:t>
+            </a:r>
+            <a:r>
+              <a:rPr lang="nl-NL" dirty="0" smtClean="0">
+                <a:latin typeface="Comic Sans MS"/>
+                <a:cs typeface="Comic Sans MS"/>
+              </a:rPr>
+              <a:t>.</a:t>
+            </a:r>
           </a:p>
           <a:p>
             <a:endParaRPr lang="nl-NL" dirty="0">
@@ -6732,14 +6722,7 @@
                 <a:latin typeface="Comic Sans MS"/>
                 <a:cs typeface="Comic Sans MS"/>
               </a:rPr>
-              <a:t> </a:t>
-            </a:r>
-            <a:r>
-              <a:rPr lang="nl-NL" dirty="0" smtClean="0">
-                <a:latin typeface="Comic Sans MS"/>
-                <a:cs typeface="Comic Sans MS"/>
-              </a:rPr>
-              <a:t>do </a:t>
+              <a:t> do </a:t>
             </a:r>
             <a:r>
               <a:rPr lang="nl-NL" dirty="0" err="1" smtClean="0">
@@ -6791,10 +6774,6 @@
               </a:rPr>
               <a:t>’ building block.</a:t>
             </a:r>
-            <a:endParaRPr lang="nl-NL" dirty="0" smtClean="0">
-              <a:latin typeface="Comic Sans MS"/>
-              <a:cs typeface="Comic Sans MS"/>
-            </a:endParaRPr>
           </a:p>
           <a:p>
             <a:endParaRPr lang="nl-NL" dirty="0">
@@ -6815,14 +6794,7 @@
                 <a:latin typeface="Comic Sans MS"/>
                 <a:cs typeface="Comic Sans MS"/>
               </a:rPr>
-              <a:t> the building block </a:t>
-            </a:r>
-            <a:r>
-              <a:rPr lang="nl-NL" dirty="0" smtClean="0">
-                <a:latin typeface="Comic Sans MS"/>
-                <a:cs typeface="Comic Sans MS"/>
-              </a:rPr>
-              <a:t>‘</a:t>
+              <a:t> the building block ‘</a:t>
             </a:r>
             <a:r>
               <a:rPr lang="nl-NL" dirty="0" err="1" smtClean="0">
@@ -6883,14 +6855,7 @@
                 <a:latin typeface="Comic Sans MS"/>
                 <a:cs typeface="Comic Sans MS"/>
               </a:rPr>
-              <a:t> the progra</a:t>
-            </a:r>
-            <a:r>
-              <a:rPr lang="nl-NL" dirty="0" smtClean="0">
-                <a:latin typeface="Comic Sans MS"/>
-                <a:cs typeface="Comic Sans MS"/>
-              </a:rPr>
-              <a:t>m panel </a:t>
+              <a:t> the program panel </a:t>
             </a:r>
             <a:r>
               <a:rPr lang="nl-NL" dirty="0" err="1" smtClean="0">
@@ -6904,34 +6869,17 @@
                 <a:latin typeface="Comic Sans MS"/>
                 <a:cs typeface="Comic Sans MS"/>
               </a:rPr>
-              <a:t> select</a:t>
-            </a:r>
-            <a:r>
-              <a:rPr lang="nl-NL" dirty="0" smtClean="0">
-                <a:latin typeface="Comic Sans MS"/>
-                <a:cs typeface="Comic Sans MS"/>
-              </a:rPr>
-              <a:t> </a:t>
-            </a:r>
-            <a:r>
-              <a:rPr lang="nl-NL" dirty="0" err="1" smtClean="0">
+              <a:t> select </a:t>
+            </a:r>
+            <a:r>
+              <a:rPr lang="nl-NL" dirty="0" smtClean="0">
                 <a:solidFill>
                   <a:srgbClr val="BC711C"/>
                 </a:solidFill>
                 <a:latin typeface="Comic Sans MS"/>
                 <a:cs typeface="Comic Sans MS"/>
               </a:rPr>
-              <a:t>credits</a:t>
-            </a:r>
-            <a:r>
-              <a:rPr lang="nl-NL" dirty="0" smtClean="0">
-                <a:solidFill>
-                  <a:srgbClr val="BC711C"/>
-                </a:solidFill>
-                <a:latin typeface="Comic Sans MS"/>
-                <a:cs typeface="Comic Sans MS"/>
-              </a:rPr>
-              <a:t> </a:t>
+              <a:t>finish </a:t>
             </a:r>
             <a:r>
               <a:rPr lang="nl-NL" dirty="0" err="1" smtClean="0">
@@ -7104,7 +7052,7 @@
         <p:spPr>
           <a:xfrm>
             <a:off x="556382" y="1911048"/>
-            <a:ext cx="3507618" cy="2585323"/>
+            <a:ext cx="3507618" cy="3139321"/>
           </a:xfrm>
           <a:prstGeom prst="rect">
             <a:avLst/>
@@ -7132,11 +7080,18 @@
               <a:t> the </a:t>
             </a:r>
             <a:r>
-              <a:rPr lang="nl-NL" dirty="0" err="1" smtClean="0">
-                <a:latin typeface="Comic Sans MS"/>
-                <a:cs typeface="Comic Sans MS"/>
-              </a:rPr>
-              <a:t>credits</a:t>
+              <a:rPr lang="nl-NL" dirty="0" smtClean="0">
+                <a:latin typeface="Comic Sans MS"/>
+                <a:cs typeface="Comic Sans MS"/>
+              </a:rPr>
+              <a:t>finish </a:t>
+            </a:r>
+            <a:r>
+              <a:rPr lang="nl-NL" dirty="0" err="1" smtClean="0">
+                <a:latin typeface="Comic Sans MS"/>
+                <a:cs typeface="Comic Sans MS"/>
+              </a:rPr>
+              <a:t>message</a:t>
             </a:r>
             <a:r>
               <a:rPr lang="nl-NL" dirty="0" smtClean="0">
@@ -7146,25 +7101,11 @@
               <a:t> </a:t>
             </a:r>
             <a:r>
-              <a:rPr lang="nl-NL" dirty="0" err="1" smtClean="0">
-                <a:latin typeface="Comic Sans MS"/>
-                <a:cs typeface="Comic Sans MS"/>
-              </a:rPr>
-              <a:t>message</a:t>
-            </a:r>
-            <a:r>
-              <a:rPr lang="nl-NL" dirty="0" smtClean="0">
-                <a:latin typeface="Comic Sans MS"/>
-                <a:cs typeface="Comic Sans MS"/>
-              </a:rPr>
-              <a:t> is sent, the </a:t>
-            </a:r>
-            <a:r>
-              <a:rPr lang="nl-NL" dirty="0" smtClean="0">
-                <a:latin typeface="Comic Sans MS"/>
-                <a:cs typeface="Comic Sans MS"/>
-              </a:rPr>
-              <a:t>‘</a:t>
+              <a:rPr lang="nl-NL" dirty="0" smtClean="0">
+                <a:latin typeface="Comic Sans MS"/>
+                <a:cs typeface="Comic Sans MS"/>
+              </a:rPr>
+              <a:t>is sent, the ‘</a:t>
             </a:r>
             <a:r>
               <a:rPr lang="nl-NL" dirty="0" err="1" smtClean="0">
@@ -7242,7 +7183,21 @@
                 <a:latin typeface="Comic Sans MS"/>
                 <a:cs typeface="Comic Sans MS"/>
               </a:rPr>
-              <a:t>’ building block.</a:t>
+              <a:t>’ building </a:t>
+            </a:r>
+            <a:r>
+              <a:rPr lang="nl-NL" dirty="0" err="1" smtClean="0">
+                <a:latin typeface="Comic Sans MS"/>
+                <a:cs typeface="Comic Sans MS"/>
+              </a:rPr>
+              <a:t>blocks</a:t>
+            </a:r>
+            <a:r>
+              <a:rPr lang="nl-NL" dirty="0" smtClean="0">
+                <a:latin typeface="Comic Sans MS"/>
+                <a:cs typeface="Comic Sans MS"/>
+              </a:rPr>
+              <a:t>.</a:t>
             </a:r>
             <a:endParaRPr lang="nl-NL" dirty="0" smtClean="0">
               <a:latin typeface="Comic Sans MS"/>
@@ -7313,7 +7268,21 @@
                 <a:latin typeface="Comic Sans MS"/>
                 <a:cs typeface="Comic Sans MS"/>
               </a:rPr>
-              <a:t> put </a:t>
+              <a:t> </a:t>
+            </a:r>
+            <a:r>
+              <a:rPr lang="nl-NL" dirty="0" err="1" smtClean="0">
+                <a:latin typeface="Comic Sans MS"/>
+                <a:cs typeface="Comic Sans MS"/>
+              </a:rPr>
+              <a:t>attach</a:t>
+            </a:r>
+            <a:r>
+              <a:rPr lang="nl-NL" dirty="0" smtClean="0">
+                <a:latin typeface="Comic Sans MS"/>
+                <a:cs typeface="Comic Sans MS"/>
+              </a:rPr>
+              <a:t> </a:t>
             </a:r>
             <a:r>
               <a:rPr lang="nl-NL" dirty="0" err="1" smtClean="0">
@@ -7334,14 +7303,21 @@
                 <a:latin typeface="Comic Sans MS"/>
                 <a:cs typeface="Comic Sans MS"/>
               </a:rPr>
-              <a:t>just</a:t>
-            </a:r>
-            <a:r>
-              <a:rPr lang="nl-NL" dirty="0" smtClean="0">
-                <a:latin typeface="Comic Sans MS"/>
-                <a:cs typeface="Comic Sans MS"/>
-              </a:rPr>
-              <a:t> below the </a:t>
+              <a:t>underneath</a:t>
+            </a:r>
+            <a:r>
+              <a:rPr lang="nl-NL" dirty="0" smtClean="0">
+                <a:latin typeface="Comic Sans MS"/>
+                <a:cs typeface="Comic Sans MS"/>
+              </a:rPr>
+              <a:t> </a:t>
+            </a:r>
+            <a:r>
+              <a:rPr lang="nl-NL" dirty="0" smtClean="0">
+                <a:latin typeface="Comic Sans MS"/>
+                <a:cs typeface="Comic Sans MS"/>
+              </a:rPr>
+              <a:t>the </a:t>
             </a:r>
             <a:r>
               <a:rPr lang="nl-NL" dirty="0" err="1" smtClean="0">
@@ -7355,7 +7331,21 @@
                 <a:latin typeface="Comic Sans MS"/>
                 <a:cs typeface="Comic Sans MS"/>
               </a:rPr>
-              <a:t>.</a:t>
+              <a:t> </a:t>
+            </a:r>
+            <a:r>
+              <a:rPr lang="nl-NL" dirty="0" err="1" smtClean="0">
+                <a:latin typeface="Comic Sans MS"/>
+                <a:cs typeface="Comic Sans MS"/>
+              </a:rPr>
+              <a:t>builing</a:t>
+            </a:r>
+            <a:r>
+              <a:rPr lang="nl-NL" dirty="0" smtClean="0">
+                <a:latin typeface="Comic Sans MS"/>
+                <a:cs typeface="Comic Sans MS"/>
+              </a:rPr>
+              <a:t> block.</a:t>
             </a:r>
             <a:endParaRPr lang="nl-NL" dirty="0">
               <a:latin typeface="Comic Sans MS"/>
@@ -7581,14 +7571,7 @@
                 <a:latin typeface="Comic Sans MS"/>
                 <a:cs typeface="Comic Sans MS"/>
               </a:rPr>
-              <a:t> th</a:t>
-            </a:r>
-            <a:r>
-              <a:rPr lang="nl-NL" dirty="0" smtClean="0">
-                <a:latin typeface="Comic Sans MS"/>
-                <a:cs typeface="Comic Sans MS"/>
-              </a:rPr>
-              <a:t>e </a:t>
+              <a:t> the </a:t>
             </a:r>
             <a:r>
               <a:rPr lang="nl-NL" dirty="0" err="1" smtClean="0">
@@ -7618,10 +7601,6 @@
               </a:rPr>
               <a:t> move the mouse over the button.</a:t>
             </a:r>
-            <a:endParaRPr lang="nl-NL" dirty="0" smtClean="0">
-              <a:latin typeface="Comic Sans MS"/>
-              <a:cs typeface="Comic Sans MS"/>
-            </a:endParaRPr>
           </a:p>
           <a:p>
             <a:endParaRPr lang="nl-NL" dirty="0">
@@ -7631,11 +7610,18 @@
           </a:p>
           <a:p>
             <a:r>
-              <a:rPr lang="nl-NL" dirty="0" smtClean="0">
-                <a:latin typeface="Comic Sans MS"/>
-                <a:cs typeface="Comic Sans MS"/>
-              </a:rPr>
-              <a:t>Th </a:t>
+              <a:rPr lang="nl-NL" dirty="0" err="1" smtClean="0">
+                <a:latin typeface="Comic Sans MS"/>
+                <a:cs typeface="Comic Sans MS"/>
+              </a:rPr>
+              <a:t>To</a:t>
+            </a:r>
+            <a:r>
+              <a:rPr lang="nl-NL" dirty="0" smtClean="0">
+                <a:latin typeface="Comic Sans MS"/>
+                <a:cs typeface="Comic Sans MS"/>
+              </a:rPr>
+              <a:t> </a:t>
             </a:r>
             <a:r>
               <a:rPr lang="nl-NL" dirty="0" err="1" smtClean="0">
@@ -7696,10 +7682,6 @@
               </a:rPr>
               <a:t>’ building block.</a:t>
             </a:r>
-            <a:endParaRPr lang="nl-NL" dirty="0" smtClean="0">
-              <a:latin typeface="Comic Sans MS"/>
-              <a:cs typeface="Comic Sans MS"/>
-            </a:endParaRPr>
           </a:p>
           <a:p>
             <a:endParaRPr lang="nl-NL" dirty="0">
@@ -7732,10 +7714,6 @@
               </a:rPr>
               <a:t>’.</a:t>
             </a:r>
-            <a:endParaRPr lang="nl-NL" dirty="0" smtClean="0">
-              <a:latin typeface="Comic Sans MS"/>
-              <a:cs typeface="Comic Sans MS"/>
-            </a:endParaRPr>
           </a:p>
           <a:p>
             <a:endParaRPr lang="nl-NL" dirty="0">
@@ -7801,7 +7779,91 @@
                 <a:latin typeface="Comic Sans MS"/>
                 <a:cs typeface="Comic Sans MS"/>
               </a:rPr>
-              <a:t> the program, </a:t>
+              <a:t> the </a:t>
+            </a:r>
+            <a:r>
+              <a:rPr lang="nl-NL" dirty="0" smtClean="0">
+                <a:latin typeface="Comic Sans MS"/>
+                <a:cs typeface="Comic Sans MS"/>
+              </a:rPr>
+              <a:t>program area </a:t>
+            </a:r>
+            <a:r>
+              <a:rPr lang="nl-NL" dirty="0" err="1" smtClean="0">
+                <a:latin typeface="Comic Sans MS"/>
+                <a:cs typeface="Comic Sans MS"/>
+              </a:rPr>
+              <a:t>and</a:t>
+            </a:r>
+            <a:r>
+              <a:rPr lang="nl-NL" dirty="0" smtClean="0">
+                <a:latin typeface="Comic Sans MS"/>
+                <a:cs typeface="Comic Sans MS"/>
+              </a:rPr>
+              <a:t> </a:t>
+            </a:r>
+            <a:r>
+              <a:rPr lang="nl-NL" dirty="0" err="1" smtClean="0">
+                <a:latin typeface="Comic Sans MS"/>
+                <a:cs typeface="Comic Sans MS"/>
+              </a:rPr>
+              <a:t>attach</a:t>
+            </a:r>
+            <a:r>
+              <a:rPr lang="nl-NL" dirty="0" smtClean="0">
+                <a:latin typeface="Comic Sans MS"/>
+                <a:cs typeface="Comic Sans MS"/>
+              </a:rPr>
+              <a:t> </a:t>
+            </a:r>
+            <a:r>
+              <a:rPr lang="nl-NL" dirty="0" err="1" smtClean="0">
+                <a:latin typeface="Comic Sans MS"/>
+                <a:cs typeface="Comic Sans MS"/>
+              </a:rPr>
+              <a:t>it</a:t>
+            </a:r>
+            <a:r>
+              <a:rPr lang="nl-NL" dirty="0" smtClean="0">
+                <a:latin typeface="Comic Sans MS"/>
+                <a:cs typeface="Comic Sans MS"/>
+              </a:rPr>
+              <a:t> </a:t>
+            </a:r>
+            <a:r>
+              <a:rPr lang="nl-NL" dirty="0" err="1" smtClean="0">
+                <a:latin typeface="Comic Sans MS"/>
+                <a:cs typeface="Comic Sans MS"/>
+              </a:rPr>
+              <a:t>underneath</a:t>
+            </a:r>
+            <a:r>
+              <a:rPr lang="nl-NL" dirty="0" smtClean="0">
+                <a:latin typeface="Comic Sans MS"/>
+                <a:cs typeface="Comic Sans MS"/>
+              </a:rPr>
+              <a:t> </a:t>
+            </a:r>
+            <a:r>
+              <a:rPr lang="nl-NL" dirty="0" smtClean="0">
+                <a:latin typeface="Comic Sans MS"/>
+                <a:cs typeface="Comic Sans MS"/>
+              </a:rPr>
+              <a:t>the ‘show’ block </a:t>
+            </a:r>
+            <a:r>
+              <a:rPr lang="nl-NL" dirty="0" err="1" smtClean="0">
+                <a:latin typeface="Comic Sans MS"/>
+                <a:cs typeface="Comic Sans MS"/>
+              </a:rPr>
+              <a:t>you</a:t>
+            </a:r>
+            <a:r>
+              <a:rPr lang="nl-NL" dirty="0" smtClean="0">
+                <a:latin typeface="Comic Sans MS"/>
+                <a:cs typeface="Comic Sans MS"/>
+              </a:rPr>
+              <a:t> </a:t>
             </a:r>
             <a:r>
               <a:rPr lang="nl-NL" dirty="0" err="1" smtClean="0">
@@ -7815,20 +7877,6 @@
                 <a:latin typeface="Comic Sans MS"/>
                 <a:cs typeface="Comic Sans MS"/>
               </a:rPr>
-              <a:t> below the ‘show’ block </a:t>
-            </a:r>
-            <a:r>
-              <a:rPr lang="nl-NL" dirty="0" err="1" smtClean="0">
-                <a:latin typeface="Comic Sans MS"/>
-                <a:cs typeface="Comic Sans MS"/>
-              </a:rPr>
-              <a:t>you</a:t>
-            </a:r>
-            <a:r>
-              <a:rPr lang="nl-NL" dirty="0" smtClean="0">
-                <a:latin typeface="Comic Sans MS"/>
-                <a:cs typeface="Comic Sans MS"/>
-              </a:rPr>
               <a:t> </a:t>
             </a:r>
             <a:r>
@@ -7836,21 +7884,7 @@
                 <a:latin typeface="Comic Sans MS"/>
                 <a:cs typeface="Comic Sans MS"/>
               </a:rPr>
-              <a:t>just</a:t>
-            </a:r>
-            <a:r>
-              <a:rPr lang="nl-NL" dirty="0" smtClean="0">
-                <a:latin typeface="Comic Sans MS"/>
-                <a:cs typeface="Comic Sans MS"/>
-              </a:rPr>
-              <a:t> put </a:t>
-            </a:r>
-            <a:r>
-              <a:rPr lang="nl-NL" dirty="0" err="1" smtClean="0">
-                <a:latin typeface="Comic Sans MS"/>
-                <a:cs typeface="Comic Sans MS"/>
-              </a:rPr>
-              <a:t>there</a:t>
+              <a:t>placed</a:t>
             </a:r>
             <a:r>
               <a:rPr lang="nl-NL" dirty="0" smtClean="0">
@@ -8203,14 +8237,7 @@
                 <a:latin typeface="Comic Sans MS"/>
                 <a:cs typeface="Comic Sans MS"/>
               </a:rPr>
-              <a:t> the </a:t>
-            </a:r>
-            <a:r>
-              <a:rPr lang="nl-NL" dirty="0" smtClean="0">
-                <a:latin typeface="Comic Sans MS"/>
-                <a:cs typeface="Comic Sans MS"/>
-              </a:rPr>
-              <a:t>‘</a:t>
+              <a:t> the ‘</a:t>
             </a:r>
             <a:r>
               <a:rPr lang="nl-NL" dirty="0" err="1" smtClean="0">
@@ -8230,26 +8257,16 @@
                 <a:latin typeface="Comic Sans MS"/>
                 <a:cs typeface="Comic Sans MS"/>
               </a:rPr>
-              <a:t> </a:t>
-            </a:r>
-            <a:r>
-              <a:rPr lang="nl-NL" dirty="0" smtClean="0">
+              <a:t> &lt;&gt; </a:t>
+            </a:r>
+            <a:r>
+              <a:rPr lang="nl-NL" dirty="0" err="1" smtClean="0">
                 <a:solidFill>
                   <a:srgbClr val="DA9B00"/>
                 </a:solidFill>
                 <a:latin typeface="Comic Sans MS"/>
                 <a:cs typeface="Comic Sans MS"/>
               </a:rPr>
-              <a:t>&lt;&gt; </a:t>
-            </a:r>
-            <a:r>
-              <a:rPr lang="nl-NL" dirty="0" err="1" smtClean="0">
-                <a:solidFill>
-                  <a:srgbClr val="DA9B00"/>
-                </a:solidFill>
-                <a:latin typeface="Comic Sans MS"/>
-                <a:cs typeface="Comic Sans MS"/>
-              </a:rPr>
               <a:t>then</a:t>
             </a:r>
             <a:r>
@@ -8259,10 +8276,6 @@
               </a:rPr>
               <a:t>’ building block.</a:t>
             </a:r>
-            <a:endParaRPr lang="nl-NL" dirty="0" smtClean="0">
-              <a:latin typeface="Comic Sans MS"/>
-              <a:cs typeface="Comic Sans MS"/>
-            </a:endParaRPr>
           </a:p>
           <a:p>
             <a:endParaRPr lang="nl-NL" dirty="0">
@@ -8567,6 +8580,80 @@
               </a:rPr>
               <a:t>. </a:t>
             </a:r>
+          </a:p>
+          <a:p>
+            <a:endParaRPr lang="nl-NL" dirty="0">
+              <a:latin typeface="Comic Sans MS"/>
+              <a:cs typeface="Comic Sans MS"/>
+            </a:endParaRPr>
+          </a:p>
+          <a:p>
+            <a:r>
+              <a:rPr lang="nl-NL" dirty="0" smtClean="0">
+                <a:latin typeface="Comic Sans MS"/>
+                <a:cs typeface="Comic Sans MS"/>
+              </a:rPr>
+              <a:t>For </a:t>
+            </a:r>
+            <a:r>
+              <a:rPr lang="nl-NL" dirty="0" err="1" smtClean="0">
+                <a:latin typeface="Comic Sans MS"/>
+                <a:cs typeface="Comic Sans MS"/>
+              </a:rPr>
+              <a:t>this</a:t>
+            </a:r>
+            <a:r>
+              <a:rPr lang="nl-NL" dirty="0" smtClean="0">
+                <a:latin typeface="Comic Sans MS"/>
+                <a:cs typeface="Comic Sans MS"/>
+              </a:rPr>
+              <a:t>, </a:t>
+            </a:r>
+            <a:r>
+              <a:rPr lang="nl-NL" dirty="0" err="1" smtClean="0">
+                <a:latin typeface="Comic Sans MS"/>
+                <a:cs typeface="Comic Sans MS"/>
+              </a:rPr>
+              <a:t>you</a:t>
+            </a:r>
+            <a:r>
+              <a:rPr lang="nl-NL" dirty="0" smtClean="0">
+                <a:latin typeface="Comic Sans MS"/>
+                <a:cs typeface="Comic Sans MS"/>
+              </a:rPr>
+              <a:t> click the ‘</a:t>
+            </a:r>
+            <a:r>
+              <a:rPr lang="nl-NL" dirty="0" err="1" smtClean="0">
+                <a:solidFill>
+                  <a:srgbClr val="1F90DB"/>
+                </a:solidFill>
+                <a:latin typeface="Comic Sans MS"/>
+                <a:cs typeface="Comic Sans MS"/>
+              </a:rPr>
+              <a:t>Sensing</a:t>
+            </a:r>
+            <a:r>
+              <a:rPr lang="nl-NL" dirty="0" smtClean="0">
+                <a:latin typeface="Comic Sans MS"/>
+                <a:cs typeface="Comic Sans MS"/>
+              </a:rPr>
+              <a:t>’ building </a:t>
+            </a:r>
+            <a:r>
+              <a:rPr lang="nl-NL" dirty="0" err="1" smtClean="0">
+                <a:latin typeface="Comic Sans MS"/>
+                <a:cs typeface="Comic Sans MS"/>
+              </a:rPr>
+              <a:t>blocks</a:t>
+            </a:r>
+            <a:r>
+              <a:rPr lang="nl-NL" dirty="0" smtClean="0">
+                <a:latin typeface="Comic Sans MS"/>
+                <a:cs typeface="Comic Sans MS"/>
+              </a:rPr>
+              <a:t>.</a:t>
+            </a:r>
             <a:endParaRPr lang="nl-NL" dirty="0" smtClean="0">
               <a:latin typeface="Comic Sans MS"/>
               <a:cs typeface="Comic Sans MS"/>
@@ -8580,46 +8667,32 @@
           </a:p>
           <a:p>
             <a:r>
-              <a:rPr lang="nl-NL" dirty="0" smtClean="0">
-                <a:latin typeface="Comic Sans MS"/>
-                <a:cs typeface="Comic Sans MS"/>
-              </a:rPr>
-              <a:t>For </a:t>
-            </a:r>
-            <a:r>
-              <a:rPr lang="nl-NL" dirty="0" err="1" smtClean="0">
-                <a:latin typeface="Comic Sans MS"/>
-                <a:cs typeface="Comic Sans MS"/>
-              </a:rPr>
-              <a:t>this</a:t>
-            </a:r>
-            <a:r>
-              <a:rPr lang="nl-NL" dirty="0" smtClean="0">
-                <a:latin typeface="Comic Sans MS"/>
-                <a:cs typeface="Comic Sans MS"/>
-              </a:rPr>
-              <a:t>, </a:t>
-            </a:r>
-            <a:r>
-              <a:rPr lang="nl-NL" dirty="0" err="1" smtClean="0">
-                <a:latin typeface="Comic Sans MS"/>
-                <a:cs typeface="Comic Sans MS"/>
-              </a:rPr>
-              <a:t>you</a:t>
-            </a:r>
-            <a:r>
-              <a:rPr lang="nl-NL" dirty="0" smtClean="0">
-                <a:latin typeface="Comic Sans MS"/>
-                <a:cs typeface="Comic Sans MS"/>
-              </a:rPr>
-              <a:t> click the </a:t>
-            </a:r>
-            <a:r>
-              <a:rPr lang="nl-NL" dirty="0" smtClean="0">
-                <a:latin typeface="Comic Sans MS"/>
-                <a:cs typeface="Comic Sans MS"/>
-              </a:rPr>
-              <a:t>‘</a:t>
+              <a:rPr lang="nl-NL" dirty="0" err="1" smtClean="0">
+                <a:latin typeface="Comic Sans MS"/>
+                <a:cs typeface="Comic Sans MS"/>
+              </a:rPr>
+              <a:t>Then</a:t>
+            </a:r>
+            <a:r>
+              <a:rPr lang="nl-NL" dirty="0" smtClean="0">
+                <a:latin typeface="Comic Sans MS"/>
+                <a:cs typeface="Comic Sans MS"/>
+              </a:rPr>
+              <a:t> </a:t>
+            </a:r>
+            <a:r>
+              <a:rPr lang="nl-NL" dirty="0" err="1" smtClean="0">
+                <a:latin typeface="Comic Sans MS"/>
+                <a:cs typeface="Comic Sans MS"/>
+              </a:rPr>
+              <a:t>drag</a:t>
+            </a:r>
+            <a:r>
+              <a:rPr lang="nl-NL" dirty="0" smtClean="0">
+                <a:latin typeface="Comic Sans MS"/>
+                <a:cs typeface="Comic Sans MS"/>
+              </a:rPr>
+              <a:t> the building block ‘</a:t>
             </a:r>
             <a:r>
               <a:rPr lang="nl-NL" dirty="0" err="1" smtClean="0">
@@ -8629,98 +8702,24 @@
                 <a:latin typeface="Comic Sans MS"/>
                 <a:cs typeface="Comic Sans MS"/>
               </a:rPr>
-              <a:t>Sensing</a:t>
-            </a:r>
-            <a:r>
-              <a:rPr lang="nl-NL" dirty="0" smtClean="0">
-                <a:latin typeface="Comic Sans MS"/>
-                <a:cs typeface="Comic Sans MS"/>
-              </a:rPr>
-              <a:t>’ building block.</a:t>
-            </a:r>
-            <a:endParaRPr lang="nl-NL" dirty="0" smtClean="0">
-              <a:latin typeface="Comic Sans MS"/>
-              <a:cs typeface="Comic Sans MS"/>
-            </a:endParaRPr>
-          </a:p>
-          <a:p>
-            <a:endParaRPr lang="nl-NL" dirty="0">
-              <a:latin typeface="Comic Sans MS"/>
-              <a:cs typeface="Comic Sans MS"/>
-            </a:endParaRPr>
-          </a:p>
-          <a:p>
-            <a:r>
-              <a:rPr lang="nl-NL" dirty="0" err="1" smtClean="0">
-                <a:latin typeface="Comic Sans MS"/>
-                <a:cs typeface="Comic Sans MS"/>
-              </a:rPr>
-              <a:t>Then</a:t>
-            </a:r>
-            <a:r>
-              <a:rPr lang="nl-NL" dirty="0" smtClean="0">
-                <a:latin typeface="Comic Sans MS"/>
-                <a:cs typeface="Comic Sans MS"/>
-              </a:rPr>
-              <a:t> </a:t>
-            </a:r>
-            <a:r>
-              <a:rPr lang="nl-NL" dirty="0" err="1" smtClean="0">
-                <a:latin typeface="Comic Sans MS"/>
-                <a:cs typeface="Comic Sans MS"/>
-              </a:rPr>
-              <a:t>drag</a:t>
-            </a:r>
-            <a:r>
-              <a:rPr lang="nl-NL" dirty="0" smtClean="0">
-                <a:latin typeface="Comic Sans MS"/>
-                <a:cs typeface="Comic Sans MS"/>
-              </a:rPr>
-              <a:t> the building block ‘</a:t>
-            </a:r>
-            <a:r>
-              <a:rPr lang="nl-NL" dirty="0" err="1" smtClean="0">
+              <a:t>touching</a:t>
+            </a:r>
+            <a:r>
+              <a:rPr lang="nl-NL" dirty="0" smtClean="0">
                 <a:solidFill>
                   <a:srgbClr val="1F90DB"/>
                 </a:solidFill>
                 <a:latin typeface="Comic Sans MS"/>
                 <a:cs typeface="Comic Sans MS"/>
               </a:rPr>
-              <a:t>touching</a:t>
-            </a:r>
-            <a:r>
-              <a:rPr lang="nl-NL" dirty="0" smtClean="0">
-                <a:solidFill>
-                  <a:srgbClr val="1F90DB"/>
-                </a:solidFill>
-                <a:latin typeface="Comic Sans MS"/>
-                <a:cs typeface="Comic Sans MS"/>
-              </a:rPr>
-              <a:t> …</a:t>
-            </a:r>
-            <a:r>
-              <a:rPr lang="nl-NL" dirty="0" smtClean="0">
-                <a:solidFill>
-                  <a:srgbClr val="1F90DB"/>
-                </a:solidFill>
-                <a:latin typeface="Comic Sans MS"/>
-                <a:cs typeface="Comic Sans MS"/>
-              </a:rPr>
-              <a:t>?</a:t>
-            </a:r>
-            <a:r>
-              <a:rPr lang="nl-NL" dirty="0" smtClean="0">
-                <a:latin typeface="Comic Sans MS"/>
-                <a:cs typeface="Comic Sans MS"/>
-              </a:rPr>
-              <a:t>’ </a:t>
-            </a:r>
-            <a:r>
-              <a:rPr lang="nl-NL" dirty="0" smtClean="0">
-                <a:latin typeface="Comic Sans MS"/>
-                <a:cs typeface="Comic Sans MS"/>
-              </a:rPr>
-              <a:t>in the ‘</a:t>
+              <a:t> …?</a:t>
+            </a:r>
+            <a:r>
+              <a:rPr lang="nl-NL" dirty="0" smtClean="0">
+                <a:latin typeface="Comic Sans MS"/>
+                <a:cs typeface="Comic Sans MS"/>
+              </a:rPr>
+              <a:t>’ in the ‘</a:t>
             </a:r>
             <a:r>
               <a:rPr lang="nl-NL" dirty="0" err="1" smtClean="0">
@@ -8987,7 +8986,7 @@
               <a:t>The goal of </a:t>
             </a:r>
             <a:r>
-              <a:rPr lang="nl-NL" dirty="0" err="1" smtClean="0">
+              <a:rPr lang="en-US" dirty="0" smtClean="0">
                 <a:latin typeface="Comic Sans MS"/>
                 <a:cs typeface="Comic Sans MS"/>
               </a:rPr>
@@ -9026,7 +9025,21 @@
                 <a:latin typeface="Comic Sans MS"/>
                 <a:cs typeface="Comic Sans MS"/>
               </a:rPr>
-              <a:t> finish the game.</a:t>
+              <a:t> finish </a:t>
+            </a:r>
+            <a:r>
+              <a:rPr lang="nl-NL" dirty="0" smtClean="0">
+                <a:latin typeface="Comic Sans MS"/>
+                <a:cs typeface="Comic Sans MS"/>
+              </a:rPr>
+              <a:t>building the </a:t>
+            </a:r>
+            <a:r>
+              <a:rPr lang="nl-NL" dirty="0" smtClean="0">
+                <a:latin typeface="Comic Sans MS"/>
+                <a:cs typeface="Comic Sans MS"/>
+              </a:rPr>
+              <a:t>game.</a:t>
             </a:r>
           </a:p>
           <a:p>
@@ -9513,14 +9526,7 @@
                 <a:latin typeface="Comic Sans MS"/>
                 <a:cs typeface="Comic Sans MS"/>
               </a:rPr>
-              <a:t> a </a:t>
-            </a:r>
-            <a:r>
-              <a:rPr lang="nl-NL" dirty="0" smtClean="0">
-                <a:latin typeface="Comic Sans MS"/>
-                <a:cs typeface="Comic Sans MS"/>
-              </a:rPr>
-              <a:t>‘</a:t>
+              <a:t> a ‘</a:t>
             </a:r>
             <a:r>
               <a:rPr lang="nl-NL" dirty="0" smtClean="0">
@@ -9553,10 +9559,6 @@
               </a:rPr>
               <a:t>.</a:t>
             </a:r>
-            <a:endParaRPr lang="nl-NL" dirty="0" smtClean="0">
-              <a:latin typeface="Comic Sans MS"/>
-              <a:cs typeface="Comic Sans MS"/>
-            </a:endParaRPr>
           </a:p>
           <a:p>
             <a:endParaRPr lang="nl-NL" dirty="0">
@@ -9589,10 +9591,6 @@
               </a:rPr>
               <a:t>’.</a:t>
             </a:r>
-            <a:endParaRPr lang="nl-NL" dirty="0" smtClean="0">
-              <a:latin typeface="Comic Sans MS"/>
-              <a:cs typeface="Comic Sans MS"/>
-            </a:endParaRPr>
           </a:p>
           <a:p>
             <a:endParaRPr lang="nl-NL" dirty="0">
@@ -9623,7 +9621,129 @@
                 <a:latin typeface="Comic Sans MS"/>
                 <a:cs typeface="Comic Sans MS"/>
               </a:rPr>
-              <a:t>broadcast …</a:t>
+              <a:t>broadcast ….</a:t>
+            </a:r>
+            <a:r>
+              <a:rPr lang="nl-NL" dirty="0" smtClean="0">
+                <a:latin typeface="Comic Sans MS"/>
+                <a:cs typeface="Comic Sans MS"/>
+              </a:rPr>
+              <a:t>’ </a:t>
+            </a:r>
+            <a:r>
+              <a:rPr lang="nl-NL" dirty="0" err="1" smtClean="0">
+                <a:latin typeface="Comic Sans MS"/>
+                <a:cs typeface="Comic Sans MS"/>
+              </a:rPr>
+              <a:t>to</a:t>
+            </a:r>
+            <a:r>
+              <a:rPr lang="nl-NL" dirty="0" smtClean="0">
+                <a:latin typeface="Comic Sans MS"/>
+                <a:cs typeface="Comic Sans MS"/>
+              </a:rPr>
+              <a:t> the program </a:t>
+            </a:r>
+            <a:r>
+              <a:rPr lang="nl-NL" dirty="0" err="1" smtClean="0">
+                <a:latin typeface="Comic Sans MS"/>
+                <a:cs typeface="Comic Sans MS"/>
+              </a:rPr>
+              <a:t>and</a:t>
+            </a:r>
+            <a:r>
+              <a:rPr lang="nl-NL" dirty="0" smtClean="0">
+                <a:latin typeface="Comic Sans MS"/>
+                <a:cs typeface="Comic Sans MS"/>
+              </a:rPr>
+              <a:t> put </a:t>
+            </a:r>
+            <a:r>
+              <a:rPr lang="nl-NL" dirty="0" err="1" smtClean="0">
+                <a:latin typeface="Comic Sans MS"/>
+                <a:cs typeface="Comic Sans MS"/>
+              </a:rPr>
+              <a:t>it</a:t>
+            </a:r>
+            <a:r>
+              <a:rPr lang="nl-NL" dirty="0" smtClean="0">
+                <a:latin typeface="Comic Sans MS"/>
+                <a:cs typeface="Comic Sans MS"/>
+              </a:rPr>
+              <a:t> in the ‘</a:t>
+            </a:r>
+            <a:r>
+              <a:rPr lang="nl-NL" dirty="0" err="1" smtClean="0">
+                <a:solidFill>
+                  <a:srgbClr val="DA9B00"/>
+                </a:solidFill>
+                <a:latin typeface="Comic Sans MS"/>
+                <a:cs typeface="Comic Sans MS"/>
+              </a:rPr>
+              <a:t>if</a:t>
+            </a:r>
+            <a:r>
+              <a:rPr lang="nl-NL" dirty="0" smtClean="0">
+                <a:solidFill>
+                  <a:srgbClr val="DA9B00"/>
+                </a:solidFill>
+                <a:latin typeface="Comic Sans MS"/>
+                <a:cs typeface="Comic Sans MS"/>
+              </a:rPr>
+              <a:t> </a:t>
+            </a:r>
+            <a:r>
+              <a:rPr lang="nl-NL" dirty="0" err="1" smtClean="0">
+                <a:solidFill>
+                  <a:srgbClr val="1F90DB"/>
+                </a:solidFill>
+                <a:latin typeface="Comic Sans MS"/>
+                <a:cs typeface="Comic Sans MS"/>
+              </a:rPr>
+              <a:t>touching</a:t>
+            </a:r>
+            <a:r>
+              <a:rPr lang="nl-NL" dirty="0" smtClean="0">
+                <a:solidFill>
+                  <a:srgbClr val="1F90DB"/>
+                </a:solidFill>
+                <a:latin typeface="Comic Sans MS"/>
+                <a:cs typeface="Comic Sans MS"/>
+              </a:rPr>
+              <a:t> mouse-pointer? </a:t>
+            </a:r>
+            <a:r>
+              <a:rPr lang="nl-NL" dirty="0" err="1" smtClean="0">
+                <a:solidFill>
+                  <a:srgbClr val="DA9B00"/>
+                </a:solidFill>
+                <a:latin typeface="Comic Sans MS"/>
+                <a:cs typeface="Comic Sans MS"/>
+              </a:rPr>
+              <a:t>then</a:t>
+            </a:r>
+            <a:r>
+              <a:rPr lang="nl-NL" dirty="0" smtClean="0">
+                <a:latin typeface="Comic Sans MS"/>
+                <a:cs typeface="Comic Sans MS"/>
+              </a:rPr>
+              <a:t>’ block.</a:t>
+            </a:r>
+          </a:p>
+          <a:p>
+            <a:r>
+              <a:rPr lang="nl-NL" dirty="0" err="1" smtClean="0">
+                <a:latin typeface="Comic Sans MS"/>
+                <a:cs typeface="Comic Sans MS"/>
+              </a:rPr>
+              <a:t>Choose</a:t>
+            </a:r>
+            <a:r>
+              <a:rPr lang="nl-NL" dirty="0" smtClean="0">
+                <a:latin typeface="Comic Sans MS"/>
+                <a:cs typeface="Comic Sans MS"/>
+              </a:rPr>
+              <a:t> </a:t>
             </a:r>
             <a:r>
               <a:rPr lang="nl-NL" dirty="0" smtClean="0">
@@ -9633,72 +9753,10 @@
                 <a:latin typeface="Comic Sans MS"/>
                 <a:cs typeface="Comic Sans MS"/>
               </a:rPr>
-              <a:t>.</a:t>
-            </a:r>
-            <a:r>
-              <a:rPr lang="nl-NL" dirty="0" smtClean="0">
-                <a:latin typeface="Comic Sans MS"/>
-                <a:cs typeface="Comic Sans MS"/>
-              </a:rPr>
-              <a:t>’ </a:t>
-            </a:r>
-            <a:r>
-              <a:rPr lang="nl-NL" dirty="0" err="1" smtClean="0">
-                <a:latin typeface="Comic Sans MS"/>
-                <a:cs typeface="Comic Sans MS"/>
-              </a:rPr>
-              <a:t>to</a:t>
-            </a:r>
-            <a:r>
-              <a:rPr lang="nl-NL" dirty="0" smtClean="0">
-                <a:latin typeface="Comic Sans MS"/>
-                <a:cs typeface="Comic Sans MS"/>
-              </a:rPr>
-              <a:t> the program </a:t>
-            </a:r>
-            <a:r>
-              <a:rPr lang="nl-NL" dirty="0" err="1" smtClean="0">
-                <a:latin typeface="Comic Sans MS"/>
-                <a:cs typeface="Comic Sans MS"/>
-              </a:rPr>
-              <a:t>and</a:t>
-            </a:r>
-            <a:r>
-              <a:rPr lang="nl-NL" dirty="0" smtClean="0">
-                <a:latin typeface="Comic Sans MS"/>
-                <a:cs typeface="Comic Sans MS"/>
-              </a:rPr>
-              <a:t> put </a:t>
-            </a:r>
-            <a:r>
-              <a:rPr lang="nl-NL" dirty="0" err="1" smtClean="0">
-                <a:latin typeface="Comic Sans MS"/>
-                <a:cs typeface="Comic Sans MS"/>
-              </a:rPr>
-              <a:t>it</a:t>
-            </a:r>
-            <a:r>
-              <a:rPr lang="nl-NL" dirty="0" smtClean="0">
-                <a:latin typeface="Comic Sans MS"/>
-                <a:cs typeface="Comic Sans MS"/>
-              </a:rPr>
-              <a:t> in the ‘</a:t>
-            </a:r>
-            <a:r>
-              <a:rPr lang="nl-NL" dirty="0" err="1" smtClean="0">
-                <a:solidFill>
-                  <a:srgbClr val="DA9B00"/>
-                </a:solidFill>
-                <a:latin typeface="Comic Sans MS"/>
-                <a:cs typeface="Comic Sans MS"/>
-              </a:rPr>
-              <a:t>if</a:t>
-            </a:r>
-            <a:r>
-              <a:rPr lang="nl-NL" dirty="0" smtClean="0">
-                <a:solidFill>
-                  <a:srgbClr val="DA9B00"/>
-                </a:solidFill>
+              <a:t>start</a:t>
+            </a:r>
+            <a:r>
+              <a:rPr lang="nl-NL" dirty="0" smtClean="0">
                 <a:latin typeface="Comic Sans MS"/>
                 <a:cs typeface="Comic Sans MS"/>
               </a:rPr>
@@ -9706,80 +9764,6 @@
             </a:r>
             <a:r>
               <a:rPr lang="nl-NL" dirty="0" err="1" smtClean="0">
-                <a:solidFill>
-                  <a:srgbClr val="1F90DB"/>
-                </a:solidFill>
-                <a:latin typeface="Comic Sans MS"/>
-                <a:cs typeface="Comic Sans MS"/>
-              </a:rPr>
-              <a:t>touching</a:t>
-            </a:r>
-            <a:r>
-              <a:rPr lang="nl-NL" dirty="0" smtClean="0">
-                <a:solidFill>
-                  <a:srgbClr val="1F90DB"/>
-                </a:solidFill>
-                <a:latin typeface="Comic Sans MS"/>
-                <a:cs typeface="Comic Sans MS"/>
-              </a:rPr>
-              <a:t> mouse-pointer? </a:t>
-            </a:r>
-            <a:r>
-              <a:rPr lang="nl-NL" dirty="0" err="1" smtClean="0">
-                <a:solidFill>
-                  <a:srgbClr val="DA9B00"/>
-                </a:solidFill>
-                <a:latin typeface="Comic Sans MS"/>
-                <a:cs typeface="Comic Sans MS"/>
-              </a:rPr>
-              <a:t>then</a:t>
-            </a:r>
-            <a:r>
-              <a:rPr lang="nl-NL" dirty="0" smtClean="0">
-                <a:latin typeface="Comic Sans MS"/>
-                <a:cs typeface="Comic Sans MS"/>
-              </a:rPr>
-              <a:t>’ block.</a:t>
-            </a:r>
-            <a:endParaRPr lang="nl-NL" dirty="0" smtClean="0">
-              <a:latin typeface="Comic Sans MS"/>
-              <a:cs typeface="Comic Sans MS"/>
-            </a:endParaRPr>
-          </a:p>
-          <a:p>
-            <a:r>
-              <a:rPr lang="nl-NL" dirty="0" err="1" smtClean="0">
-                <a:latin typeface="Comic Sans MS"/>
-                <a:cs typeface="Comic Sans MS"/>
-              </a:rPr>
-              <a:t>Choose</a:t>
-            </a:r>
-            <a:r>
-              <a:rPr lang="nl-NL" dirty="0" smtClean="0">
-                <a:latin typeface="Comic Sans MS"/>
-                <a:cs typeface="Comic Sans MS"/>
-              </a:rPr>
-              <a:t> </a:t>
-            </a:r>
-            <a:r>
-              <a:rPr lang="nl-NL" dirty="0" smtClean="0">
-                <a:solidFill>
-                  <a:srgbClr val="BC711C"/>
-                </a:solidFill>
-                <a:latin typeface="Comic Sans MS"/>
-                <a:cs typeface="Comic Sans MS"/>
-              </a:rPr>
-              <a:t>start</a:t>
-            </a:r>
-            <a:r>
-              <a:rPr lang="nl-NL" dirty="0" smtClean="0">
-                <a:latin typeface="Comic Sans MS"/>
-                <a:cs typeface="Comic Sans MS"/>
-              </a:rPr>
-              <a:t> </a:t>
-            </a:r>
-            <a:r>
-              <a:rPr lang="nl-NL" dirty="0" err="1" smtClean="0">
                 <a:latin typeface="Comic Sans MS"/>
                 <a:cs typeface="Comic Sans MS"/>
               </a:rPr>
@@ -9790,14 +9774,7 @@
                 <a:latin typeface="Comic Sans MS"/>
                 <a:cs typeface="Comic Sans MS"/>
               </a:rPr>
-              <a:t> the list</a:t>
-            </a:r>
-            <a:r>
-              <a:rPr lang="nl-NL" dirty="0" smtClean="0">
-                <a:latin typeface="Comic Sans MS"/>
-                <a:cs typeface="Comic Sans MS"/>
-              </a:rPr>
-              <a:t>.</a:t>
+              <a:t> the list.</a:t>
             </a:r>
             <a:endParaRPr lang="nl-NL" dirty="0">
               <a:latin typeface="Comic Sans MS"/>
@@ -10025,10 +10002,6 @@
               </a:rPr>
               <a:t> goals</a:t>
             </a:r>
-            <a:endParaRPr lang="nl-NL" dirty="0" smtClean="0">
-              <a:latin typeface="Comic Sans MS"/>
-              <a:cs typeface="Comic Sans MS"/>
-            </a:endParaRPr>
           </a:p>
           <a:p>
             <a:endParaRPr lang="nl-NL" dirty="0">
@@ -10042,6 +10015,26 @@
               <a:buChar char="•"/>
             </a:pPr>
             <a:r>
+              <a:rPr lang="nl-NL" strike="sngStrike" dirty="0" smtClean="0">
+                <a:solidFill>
+                  <a:srgbClr val="FF0000"/>
+                </a:solidFill>
+                <a:latin typeface="Comic Sans MS"/>
+                <a:cs typeface="Comic Sans MS"/>
+              </a:rPr>
+              <a:t>the </a:t>
+            </a:r>
+            <a:r>
+              <a:rPr lang="nl-NL" strike="sngStrike" dirty="0" err="1">
+                <a:solidFill>
+                  <a:srgbClr val="FF0000"/>
+                </a:solidFill>
+                <a:latin typeface="Comic Sans MS"/>
+                <a:cs typeface="Comic Sans MS"/>
+              </a:rPr>
+              <a:t>diver</a:t>
+            </a:r>
+            <a:r>
               <a:rPr lang="nl-NL" strike="sngStrike" dirty="0">
                 <a:solidFill>
                   <a:srgbClr val="FF0000"/>
@@ -10049,7 +10042,7 @@
                 <a:latin typeface="Comic Sans MS"/>
                 <a:cs typeface="Comic Sans MS"/>
               </a:rPr>
-              <a:t>The </a:t>
+              <a:t> </a:t>
             </a:r>
             <a:r>
               <a:rPr lang="nl-NL" strike="sngStrike" dirty="0" err="1">
@@ -10059,7 +10052,7 @@
                 <a:latin typeface="Comic Sans MS"/>
                 <a:cs typeface="Comic Sans MS"/>
               </a:rPr>
-              <a:t>diver</a:t>
+              <a:t>to</a:t>
             </a:r>
             <a:r>
               <a:rPr lang="nl-NL" strike="sngStrike" dirty="0">
@@ -10069,7 +10062,7 @@
                 <a:latin typeface="Comic Sans MS"/>
                 <a:cs typeface="Comic Sans MS"/>
               </a:rPr>
-              <a:t> is </a:t>
+              <a:t> </a:t>
             </a:r>
             <a:r>
               <a:rPr lang="nl-NL" strike="sngStrike" dirty="0" err="1">
@@ -10079,7 +10072,7 @@
                 <a:latin typeface="Comic Sans MS"/>
                 <a:cs typeface="Comic Sans MS"/>
               </a:rPr>
-              <a:t>not</a:t>
+              <a:t>following</a:t>
             </a:r>
             <a:r>
               <a:rPr lang="nl-NL" strike="sngStrike" dirty="0">
@@ -10099,7 +10092,7 @@
                 <a:latin typeface="Comic Sans MS"/>
                 <a:cs typeface="Comic Sans MS"/>
               </a:rPr>
-              <a:t>following</a:t>
+              <a:t>our</a:t>
             </a:r>
             <a:r>
               <a:rPr lang="nl-NL" strike="sngStrike" dirty="0">
@@ -10109,8 +10102,14 @@
                 <a:latin typeface="Comic Sans MS"/>
                 <a:cs typeface="Comic Sans MS"/>
               </a:rPr>
-              <a:t> </a:t>
-            </a:r>
+              <a:t> hand.</a:t>
+            </a:r>
+          </a:p>
+          <a:p>
+            <a:pPr marL="285750" indent="-285750">
+              <a:buFont typeface="Arial"/>
+              <a:buChar char="•"/>
+            </a:pPr>
             <a:r>
               <a:rPr lang="nl-NL" strike="sngStrike" dirty="0" err="1">
                 <a:solidFill>
@@ -10119,7 +10118,7 @@
                 <a:latin typeface="Comic Sans MS"/>
                 <a:cs typeface="Comic Sans MS"/>
               </a:rPr>
-              <a:t>our</a:t>
+              <a:t>to</a:t>
             </a:r>
             <a:r>
               <a:rPr lang="nl-NL" strike="sngStrike" dirty="0">
@@ -10129,7 +10128,27 @@
                 <a:latin typeface="Comic Sans MS"/>
                 <a:cs typeface="Comic Sans MS"/>
               </a:rPr>
-              <a:t> hand.</a:t>
+              <a:t> </a:t>
+            </a:r>
+            <a:r>
+              <a:rPr lang="nl-NL" strike="sngStrike" dirty="0" err="1">
+                <a:solidFill>
+                  <a:srgbClr val="FF0000"/>
+                </a:solidFill>
+                <a:latin typeface="Comic Sans MS"/>
+                <a:cs typeface="Comic Sans MS"/>
+              </a:rPr>
+              <a:t>restart</a:t>
+            </a:r>
+            <a:r>
+              <a:rPr lang="nl-NL" strike="sngStrike" dirty="0">
+                <a:solidFill>
+                  <a:srgbClr val="FF0000"/>
+                </a:solidFill>
+                <a:latin typeface="Comic Sans MS"/>
+                <a:cs typeface="Comic Sans MS"/>
+              </a:rPr>
+              <a:t> the game.</a:t>
             </a:r>
           </a:p>
           <a:p>
@@ -10138,135 +10157,53 @@
               <a:buChar char="•"/>
             </a:pPr>
             <a:r>
-              <a:rPr lang="nl-NL" strike="sngStrike" dirty="0">
-                <a:solidFill>
-                  <a:srgbClr val="FF0000"/>
-                </a:solidFill>
-                <a:latin typeface="Comic Sans MS"/>
-                <a:cs typeface="Comic Sans MS"/>
-              </a:rPr>
-              <a:t>We </a:t>
-            </a:r>
-            <a:r>
-              <a:rPr lang="nl-NL" strike="sngStrike" dirty="0" err="1">
-                <a:solidFill>
-                  <a:srgbClr val="FF0000"/>
-                </a:solidFill>
-                <a:latin typeface="Comic Sans MS"/>
-                <a:cs typeface="Comic Sans MS"/>
-              </a:rPr>
-              <a:t>would</a:t>
-            </a:r>
-            <a:r>
-              <a:rPr lang="nl-NL" strike="sngStrike" dirty="0">
-                <a:solidFill>
-                  <a:srgbClr val="FF0000"/>
-                </a:solidFill>
+              <a:rPr lang="nl-NL" dirty="0" err="1">
+                <a:latin typeface="Comic Sans MS"/>
+                <a:cs typeface="Comic Sans MS"/>
+              </a:rPr>
+              <a:t>to</a:t>
+            </a:r>
+            <a:r>
+              <a:rPr lang="nl-NL" dirty="0">
                 <a:latin typeface="Comic Sans MS"/>
                 <a:cs typeface="Comic Sans MS"/>
               </a:rPr>
               <a:t> </a:t>
             </a:r>
             <a:r>
-              <a:rPr lang="nl-NL" strike="sngStrike" dirty="0" err="1">
-                <a:solidFill>
-                  <a:srgbClr val="FF0000"/>
-                </a:solidFill>
-                <a:latin typeface="Comic Sans MS"/>
-                <a:cs typeface="Comic Sans MS"/>
-              </a:rPr>
-              <a:t>like</a:t>
-            </a:r>
-            <a:r>
-              <a:rPr lang="nl-NL" strike="sngStrike" dirty="0">
-                <a:solidFill>
-                  <a:srgbClr val="FF0000"/>
-                </a:solidFill>
+              <a:rPr lang="nl-NL" dirty="0" err="1">
+                <a:latin typeface="Comic Sans MS"/>
+                <a:cs typeface="Comic Sans MS"/>
+              </a:rPr>
+              <a:t>be</a:t>
+            </a:r>
+            <a:r>
+              <a:rPr lang="nl-NL" dirty="0">
                 <a:latin typeface="Comic Sans MS"/>
                 <a:cs typeface="Comic Sans MS"/>
               </a:rPr>
               <a:t> </a:t>
             </a:r>
             <a:r>
-              <a:rPr lang="nl-NL" strike="sngStrike" dirty="0" err="1">
-                <a:solidFill>
-                  <a:srgbClr val="FF0000"/>
-                </a:solidFill>
+              <a:rPr lang="nl-NL" dirty="0" err="1">
+                <a:latin typeface="Comic Sans MS"/>
+                <a:cs typeface="Comic Sans MS"/>
+              </a:rPr>
+              <a:t>able</a:t>
+            </a:r>
+            <a:r>
+              <a:rPr lang="nl-NL" dirty="0">
+                <a:latin typeface="Comic Sans MS"/>
+                <a:cs typeface="Comic Sans MS"/>
+              </a:rPr>
+              <a:t> </a:t>
+            </a:r>
+            <a:r>
+              <a:rPr lang="nl-NL" dirty="0" err="1">
                 <a:latin typeface="Comic Sans MS"/>
                 <a:cs typeface="Comic Sans MS"/>
               </a:rPr>
               <a:t>to</a:t>
-            </a:r>
-            <a:r>
-              <a:rPr lang="nl-NL" strike="sngStrike" dirty="0">
-                <a:solidFill>
-                  <a:srgbClr val="FF0000"/>
-                </a:solidFill>
-                <a:latin typeface="Comic Sans MS"/>
-                <a:cs typeface="Comic Sans MS"/>
-              </a:rPr>
-              <a:t> </a:t>
-            </a:r>
-            <a:r>
-              <a:rPr lang="nl-NL" strike="sngStrike" dirty="0" err="1">
-                <a:solidFill>
-                  <a:srgbClr val="FF0000"/>
-                </a:solidFill>
-                <a:latin typeface="Comic Sans MS"/>
-                <a:cs typeface="Comic Sans MS"/>
-              </a:rPr>
-              <a:t>restart</a:t>
-            </a:r>
-            <a:r>
-              <a:rPr lang="nl-NL" strike="sngStrike" dirty="0">
-                <a:solidFill>
-                  <a:srgbClr val="FF0000"/>
-                </a:solidFill>
-                <a:latin typeface="Comic Sans MS"/>
-                <a:cs typeface="Comic Sans MS"/>
-              </a:rPr>
-              <a:t> the game.</a:t>
-            </a:r>
-          </a:p>
-          <a:p>
-            <a:pPr marL="285750" indent="-285750">
-              <a:buFont typeface="Arial"/>
-              <a:buChar char="•"/>
-            </a:pPr>
-            <a:r>
-              <a:rPr lang="nl-NL" dirty="0" err="1">
-                <a:latin typeface="Comic Sans MS"/>
-                <a:cs typeface="Comic Sans MS"/>
-              </a:rPr>
-              <a:t>You</a:t>
-            </a:r>
-            <a:r>
-              <a:rPr lang="nl-NL" dirty="0">
-                <a:latin typeface="Comic Sans MS"/>
-                <a:cs typeface="Comic Sans MS"/>
-              </a:rPr>
-              <a:t> </a:t>
-            </a:r>
-            <a:r>
-              <a:rPr lang="nl-NL" dirty="0" err="1">
-                <a:latin typeface="Comic Sans MS"/>
-                <a:cs typeface="Comic Sans MS"/>
-              </a:rPr>
-              <a:t>cannot</a:t>
-            </a:r>
-            <a:r>
-              <a:rPr lang="nl-NL" dirty="0">
-                <a:latin typeface="Comic Sans MS"/>
-                <a:cs typeface="Comic Sans MS"/>
-              </a:rPr>
-              <a:t> </a:t>
-            </a:r>
-            <a:r>
-              <a:rPr lang="nl-NL" dirty="0" err="1">
-                <a:latin typeface="Comic Sans MS"/>
-                <a:cs typeface="Comic Sans MS"/>
-              </a:rPr>
-              <a:t>yet</a:t>
             </a:r>
             <a:r>
               <a:rPr lang="nl-NL" dirty="0">
@@ -10594,30 +10531,26 @@
               <a:t> </a:t>
             </a:r>
             <a:r>
-              <a:rPr lang="nl-NL" dirty="0" err="1" smtClean="0">
-                <a:latin typeface="Comic Sans MS"/>
-                <a:cs typeface="Comic Sans MS"/>
-              </a:rPr>
-              <a:t>one</a:t>
-            </a:r>
-            <a:r>
-              <a:rPr lang="nl-NL" dirty="0" smtClean="0">
-                <a:latin typeface="Comic Sans MS"/>
-                <a:cs typeface="Comic Sans MS"/>
-              </a:rPr>
-              <a:t> point</a:t>
-            </a:r>
-            <a:r>
-              <a:rPr lang="nl-NL" dirty="0" smtClean="0">
-                <a:latin typeface="Comic Sans MS"/>
-                <a:cs typeface="Comic Sans MS"/>
-              </a:rPr>
-              <a:t>.</a:t>
-            </a:r>
-            <a:endParaRPr lang="nl-NL" dirty="0" smtClean="0">
-              <a:latin typeface="Comic Sans MS"/>
-              <a:cs typeface="Comic Sans MS"/>
-            </a:endParaRPr>
+              <a:rPr lang="nl-NL" dirty="0">
+                <a:latin typeface="Comic Sans MS"/>
+                <a:cs typeface="Comic Sans MS"/>
+              </a:rPr>
+              <a:t>1</a:t>
+            </a:r>
+            <a:r>
+              <a:rPr lang="nl-NL" dirty="0" smtClean="0">
+                <a:latin typeface="Comic Sans MS"/>
+                <a:cs typeface="Comic Sans MS"/>
+              </a:rPr>
+              <a:t> </a:t>
+            </a:r>
+            <a:r>
+              <a:rPr lang="nl-NL" dirty="0" smtClean="0">
+                <a:latin typeface="Comic Sans MS"/>
+                <a:cs typeface="Comic Sans MS"/>
+              </a:rPr>
+              <a:t>point.</a:t>
+            </a:r>
           </a:p>
           <a:p>
             <a:endParaRPr lang="nl-NL" dirty="0">
@@ -10768,7 +10701,7 @@
         </p:nvSpPr>
         <p:spPr>
           <a:xfrm>
-            <a:off x="495905" y="1572381"/>
+            <a:off x="495905" y="2109665"/>
             <a:ext cx="4852536" cy="2031325"/>
           </a:xfrm>
           <a:prstGeom prst="rect">
@@ -10880,10 +10813,6 @@
               </a:rPr>
               <a:t>.</a:t>
             </a:r>
-            <a:endParaRPr lang="nl-NL" dirty="0" smtClean="0">
-              <a:latin typeface="Comic Sans MS"/>
-              <a:cs typeface="Comic Sans MS"/>
-            </a:endParaRPr>
           </a:p>
           <a:p>
             <a:endParaRPr lang="nl-NL" dirty="0">
@@ -11024,7 +10953,7 @@
         </p:blipFill>
         <p:spPr>
           <a:xfrm>
-            <a:off x="5224226" y="2513516"/>
+            <a:off x="5348441" y="2239668"/>
             <a:ext cx="3136900" cy="1460500"/>
           </a:xfrm>
           <a:prstGeom prst="rect">
@@ -11040,7 +10969,7 @@
         </p:nvSpPr>
         <p:spPr>
           <a:xfrm>
-            <a:off x="7440653" y="2443206"/>
+            <a:off x="7550564" y="2239668"/>
             <a:ext cx="566666" cy="526712"/>
           </a:xfrm>
           <a:prstGeom prst="roundRect">
@@ -11519,7 +11448,21 @@
                 <a:latin typeface="Comic Sans MS"/>
                 <a:cs typeface="Comic Sans MS"/>
               </a:rPr>
-              <a:t> get a new point.</a:t>
+              <a:t> get </a:t>
+            </a:r>
+            <a:r>
+              <a:rPr lang="nl-NL" dirty="0" smtClean="0">
+                <a:latin typeface="Comic Sans MS"/>
+                <a:cs typeface="Comic Sans MS"/>
+              </a:rPr>
+              <a:t>1 </a:t>
+            </a:r>
+            <a:r>
+              <a:rPr lang="nl-NL" dirty="0" smtClean="0">
+                <a:latin typeface="Comic Sans MS"/>
+                <a:cs typeface="Comic Sans MS"/>
+              </a:rPr>
+              <a:t>point.</a:t>
             </a:r>
             <a:endParaRPr lang="nl-NL" dirty="0">
               <a:latin typeface="Comic Sans MS"/>
@@ -11958,10 +11901,6 @@
               </a:rPr>
               <a:t>.</a:t>
             </a:r>
-            <a:endParaRPr lang="nl-NL" dirty="0" smtClean="0">
-              <a:latin typeface="Comic Sans MS"/>
-              <a:cs typeface="Comic Sans MS"/>
-            </a:endParaRPr>
           </a:p>
           <a:p>
             <a:pPr marL="285750" indent="-285750">
@@ -12031,10 +11970,6 @@
               </a:rPr>
               <a:t>.</a:t>
             </a:r>
-            <a:endParaRPr lang="nl-NL" dirty="0" smtClean="0">
-              <a:latin typeface="Comic Sans MS"/>
-              <a:cs typeface="Comic Sans MS"/>
-            </a:endParaRPr>
           </a:p>
           <a:p>
             <a:pPr marL="285750" indent="-285750">
@@ -12090,10 +12025,6 @@
               </a:rPr>
               <a:t>.</a:t>
             </a:r>
-            <a:endParaRPr lang="nl-NL" dirty="0" smtClean="0">
-              <a:latin typeface="Comic Sans MS"/>
-              <a:cs typeface="Comic Sans MS"/>
-            </a:endParaRPr>
           </a:p>
           <a:p>
             <a:pPr marL="285750" indent="-285750">
@@ -12386,10 +12317,6 @@
               </a:rPr>
               <a:t>’.</a:t>
             </a:r>
-            <a:endParaRPr lang="nl-NL" dirty="0" smtClean="0">
-              <a:latin typeface="Comic Sans MS"/>
-              <a:cs typeface="Comic Sans MS"/>
-            </a:endParaRPr>
           </a:p>
           <a:p>
             <a:endParaRPr lang="nl-NL" dirty="0">
@@ -12427,14 +12354,7 @@
                 <a:latin typeface="Comic Sans MS"/>
                 <a:cs typeface="Comic Sans MS"/>
               </a:rPr>
-              <a:t>’ </a:t>
-            </a:r>
-            <a:r>
-              <a:rPr lang="nl-NL" dirty="0" smtClean="0">
-                <a:latin typeface="Comic Sans MS"/>
-                <a:cs typeface="Comic Sans MS"/>
-              </a:rPr>
-              <a:t>building block </a:t>
+              <a:t>’ building block </a:t>
             </a:r>
             <a:r>
               <a:rPr lang="nl-NL" dirty="0" err="1" smtClean="0">
@@ -12464,10 +12384,6 @@
               </a:rPr>
               <a:t> program.</a:t>
             </a:r>
-            <a:endParaRPr lang="nl-NL" dirty="0" smtClean="0">
-              <a:latin typeface="Comic Sans MS"/>
-              <a:cs typeface="Comic Sans MS"/>
-            </a:endParaRPr>
           </a:p>
         </p:txBody>
       </p:sp>
@@ -12796,10 +12712,6 @@
               </a:rPr>
               <a:t>’.</a:t>
             </a:r>
-            <a:endParaRPr lang="nl-NL" dirty="0" smtClean="0">
-              <a:latin typeface="Comic Sans MS"/>
-              <a:cs typeface="Comic Sans MS"/>
-            </a:endParaRPr>
           </a:p>
           <a:p>
             <a:endParaRPr lang="nl-NL" dirty="0">
@@ -12813,14 +12725,7 @@
                 <a:latin typeface="Comic Sans MS"/>
                 <a:cs typeface="Comic Sans MS"/>
               </a:rPr>
-              <a:t>Type </a:t>
-            </a:r>
-            <a:r>
-              <a:rPr lang="nl-NL" dirty="0" smtClean="0">
-                <a:latin typeface="Comic Sans MS"/>
-                <a:cs typeface="Comic Sans MS"/>
-              </a:rPr>
-              <a:t>a ‘1’ in the right side of the building block </a:t>
+              <a:t>Type a ‘1’ in the right side of the building block </a:t>
             </a:r>
             <a:r>
               <a:rPr lang="nl-NL" dirty="0">
@@ -12846,10 +12751,6 @@
               </a:rPr>
               <a:t>’.</a:t>
             </a:r>
-            <a:endParaRPr lang="nl-NL" dirty="0" smtClean="0">
-              <a:latin typeface="Comic Sans MS"/>
-              <a:cs typeface="Comic Sans MS"/>
-            </a:endParaRPr>
           </a:p>
         </p:txBody>
       </p:sp>
@@ -13257,18 +13158,14 @@
               </a:rPr>
               <a:t>.</a:t>
             </a:r>
+          </a:p>
+          <a:p>
             <a:endParaRPr lang="nl-NL" dirty="0" smtClean="0">
               <a:latin typeface="Comic Sans MS"/>
               <a:cs typeface="Comic Sans MS"/>
             </a:endParaRPr>
           </a:p>
           <a:p>
-            <a:endParaRPr lang="nl-NL" dirty="0" smtClean="0">
-              <a:latin typeface="Comic Sans MS"/>
-              <a:cs typeface="Comic Sans MS"/>
-            </a:endParaRPr>
-          </a:p>
-          <a:p>
             <a:r>
               <a:rPr lang="nl-NL" dirty="0" err="1" smtClean="0">
                 <a:latin typeface="Comic Sans MS"/>
@@ -13443,17 +13340,7 @@
                 <a:latin typeface="Comic Sans MS"/>
                 <a:cs typeface="Comic Sans MS"/>
               </a:rPr>
-              <a:t> </a:t>
-            </a:r>
-            <a:r>
-              <a:rPr lang="nl-NL" dirty="0" smtClean="0">
-                <a:solidFill>
-                  <a:srgbClr val="F79646"/>
-                </a:solidFill>
-                <a:latin typeface="Comic Sans MS"/>
-                <a:cs typeface="Comic Sans MS"/>
-              </a:rPr>
-              <a:t>[]</a:t>
+              <a:t> []</a:t>
             </a:r>
             <a:r>
               <a:rPr lang="nl-NL" dirty="0" smtClean="0">
@@ -13747,7 +13634,7 @@
         <p:spPr>
           <a:xfrm>
             <a:off x="495906" y="1572381"/>
-            <a:ext cx="4148468" cy="3416320"/>
+            <a:ext cx="4148468" cy="2862323"/>
           </a:xfrm>
           <a:prstGeom prst="rect">
             <a:avLst/>
@@ -13946,7 +13833,7 @@
                 <a:latin typeface="Comic Sans MS"/>
                 <a:cs typeface="Comic Sans MS"/>
               </a:rPr>
-              <a:t>The </a:t>
+              <a:t>the </a:t>
             </a:r>
             <a:r>
               <a:rPr lang="nl-NL" strike="sngStrike" dirty="0" err="1">
@@ -13966,7 +13853,7 @@
                 <a:latin typeface="Comic Sans MS"/>
                 <a:cs typeface="Comic Sans MS"/>
               </a:rPr>
-              <a:t> is </a:t>
+              <a:t> </a:t>
             </a:r>
             <a:r>
               <a:rPr lang="nl-NL" strike="sngStrike" dirty="0" err="1">
@@ -13976,7 +13863,7 @@
                 <a:latin typeface="Comic Sans MS"/>
                 <a:cs typeface="Comic Sans MS"/>
               </a:rPr>
-              <a:t>not</a:t>
+              <a:t>to</a:t>
             </a:r>
             <a:r>
               <a:rPr lang="nl-NL" strike="sngStrike" dirty="0">
@@ -14035,6 +13922,16 @@
               <a:buChar char="•"/>
             </a:pPr>
             <a:r>
+              <a:rPr lang="nl-NL" strike="sngStrike" dirty="0" err="1">
+                <a:solidFill>
+                  <a:srgbClr val="FF0000"/>
+                </a:solidFill>
+                <a:latin typeface="Comic Sans MS"/>
+                <a:cs typeface="Comic Sans MS"/>
+              </a:rPr>
+              <a:t>to</a:t>
+            </a:r>
+            <a:r>
               <a:rPr lang="nl-NL" strike="sngStrike" dirty="0">
                 <a:solidFill>
                   <a:srgbClr val="FF0000"/>
@@ -14042,7 +13939,7 @@
                 <a:latin typeface="Comic Sans MS"/>
                 <a:cs typeface="Comic Sans MS"/>
               </a:rPr>
-              <a:t>We </a:t>
+              <a:t> </a:t>
             </a:r>
             <a:r>
               <a:rPr lang="nl-NL" strike="sngStrike" dirty="0" err="1">
@@ -14052,7 +13949,7 @@
                 <a:latin typeface="Comic Sans MS"/>
                 <a:cs typeface="Comic Sans MS"/>
               </a:rPr>
-              <a:t>would</a:t>
+              <a:t>restart</a:t>
             </a:r>
             <a:r>
               <a:rPr lang="nl-NL" strike="sngStrike" dirty="0">
@@ -14062,8 +13959,14 @@
                 <a:latin typeface="Comic Sans MS"/>
                 <a:cs typeface="Comic Sans MS"/>
               </a:rPr>
-              <a:t> </a:t>
-            </a:r>
+              <a:t> the game.</a:t>
+            </a:r>
+          </a:p>
+          <a:p>
+            <a:pPr marL="285750" indent="-285750">
+              <a:buFont typeface="Arial"/>
+              <a:buChar char="•"/>
+            </a:pPr>
             <a:r>
               <a:rPr lang="nl-NL" strike="sngStrike" dirty="0" err="1">
                 <a:solidFill>
@@ -14072,7 +13975,7 @@
                 <a:latin typeface="Comic Sans MS"/>
                 <a:cs typeface="Comic Sans MS"/>
               </a:rPr>
-              <a:t>like</a:t>
+              <a:t>to</a:t>
             </a:r>
             <a:r>
               <a:rPr lang="nl-NL" strike="sngStrike" dirty="0">
@@ -14092,7 +13995,7 @@
                 <a:latin typeface="Comic Sans MS"/>
                 <a:cs typeface="Comic Sans MS"/>
               </a:rPr>
-              <a:t>to</a:t>
+              <a:t>be</a:t>
             </a:r>
             <a:r>
               <a:rPr lang="nl-NL" strike="sngStrike" dirty="0">
@@ -14112,7 +14015,7 @@
                 <a:latin typeface="Comic Sans MS"/>
                 <a:cs typeface="Comic Sans MS"/>
               </a:rPr>
-              <a:t>restart</a:t>
+              <a:t>able</a:t>
             </a:r>
             <a:r>
               <a:rPr lang="nl-NL" strike="sngStrike" dirty="0">
@@ -14122,14 +14025,8 @@
                 <a:latin typeface="Comic Sans MS"/>
                 <a:cs typeface="Comic Sans MS"/>
               </a:rPr>
-              <a:t> the game.</a:t>
-            </a:r>
-          </a:p>
-          <a:p>
-            <a:pPr marL="285750" indent="-285750">
-              <a:buFont typeface="Arial"/>
-              <a:buChar char="•"/>
-            </a:pPr>
+              <a:t> </a:t>
+            </a:r>
             <a:r>
               <a:rPr lang="nl-NL" strike="sngStrike" dirty="0" err="1">
                 <a:solidFill>
@@ -14138,47 +14035,7 @@
                 <a:latin typeface="Comic Sans MS"/>
                 <a:cs typeface="Comic Sans MS"/>
               </a:rPr>
-              <a:t>You</a:t>
-            </a:r>
-            <a:r>
-              <a:rPr lang="nl-NL" strike="sngStrike" dirty="0">
-                <a:solidFill>
-                  <a:srgbClr val="FF0000"/>
-                </a:solidFill>
-                <a:latin typeface="Comic Sans MS"/>
-                <a:cs typeface="Comic Sans MS"/>
-              </a:rPr>
-              <a:t> </a:t>
-            </a:r>
-            <a:r>
-              <a:rPr lang="nl-NL" strike="sngStrike" dirty="0" err="1">
-                <a:solidFill>
-                  <a:srgbClr val="FF0000"/>
-                </a:solidFill>
-                <a:latin typeface="Comic Sans MS"/>
-                <a:cs typeface="Comic Sans MS"/>
-              </a:rPr>
-              <a:t>cannot</a:t>
-            </a:r>
-            <a:r>
-              <a:rPr lang="nl-NL" strike="sngStrike" dirty="0">
-                <a:solidFill>
-                  <a:srgbClr val="FF0000"/>
-                </a:solidFill>
-                <a:latin typeface="Comic Sans MS"/>
-                <a:cs typeface="Comic Sans MS"/>
-              </a:rPr>
-              <a:t> </a:t>
-            </a:r>
-            <a:r>
-              <a:rPr lang="nl-NL" strike="sngStrike" dirty="0" err="1">
-                <a:solidFill>
-                  <a:srgbClr val="FF0000"/>
-                </a:solidFill>
-                <a:latin typeface="Comic Sans MS"/>
-                <a:cs typeface="Comic Sans MS"/>
-              </a:rPr>
-              <a:t>yet</a:t>
+              <a:t>to</a:t>
             </a:r>
             <a:r>
               <a:rPr lang="nl-NL" strike="sngStrike" dirty="0">
@@ -14349,7 +14206,7 @@
         <p:spPr>
           <a:xfrm>
             <a:off x="495904" y="1390952"/>
-            <a:ext cx="8190895" cy="2308324"/>
+            <a:ext cx="8190895" cy="2585323"/>
           </a:xfrm>
           <a:prstGeom prst="rect">
             <a:avLst/>
@@ -14597,8 +14454,38 @@
                 <a:latin typeface="Comic Sans MS"/>
                 <a:cs typeface="Comic Sans MS"/>
               </a:rPr>
+              <a:t> we </a:t>
+            </a:r>
+            <a:r>
+              <a:rPr lang="nl-NL" dirty="0" err="1" smtClean="0">
+                <a:latin typeface="Comic Sans MS"/>
+                <a:cs typeface="Comic Sans MS"/>
+              </a:rPr>
+              <a:t>would</a:t>
+            </a:r>
+            <a:r>
+              <a:rPr lang="nl-NL" dirty="0" smtClean="0">
+                <a:latin typeface="Comic Sans MS"/>
+                <a:cs typeface="Comic Sans MS"/>
+              </a:rPr>
+              <a:t> </a:t>
+            </a:r>
+            <a:r>
+              <a:rPr lang="nl-NL" dirty="0" err="1" smtClean="0">
+                <a:latin typeface="Comic Sans MS"/>
+                <a:cs typeface="Comic Sans MS"/>
+              </a:rPr>
+              <a:t>like</a:t>
+            </a:r>
+            <a:r>
+              <a:rPr lang="nl-NL" dirty="0" smtClean="0">
+                <a:latin typeface="Comic Sans MS"/>
+                <a:cs typeface="Comic Sans MS"/>
+              </a:rPr>
               <a:t>:</a:t>
             </a:r>
+          </a:p>
+          <a:p>
             <a:endParaRPr lang="nl-NL" dirty="0">
               <a:latin typeface="Comic Sans MS"/>
               <a:cs typeface="Comic Sans MS"/>
@@ -14610,11 +14497,18 @@
               <a:buChar char="•"/>
             </a:pPr>
             <a:r>
-              <a:rPr lang="nl-NL" dirty="0" smtClean="0">
-                <a:latin typeface="Comic Sans MS"/>
-                <a:cs typeface="Comic Sans MS"/>
-              </a:rPr>
-              <a:t>The </a:t>
+              <a:rPr lang="nl-NL" dirty="0">
+                <a:latin typeface="Comic Sans MS"/>
+                <a:cs typeface="Comic Sans MS"/>
+              </a:rPr>
+              <a:t>t</a:t>
+            </a:r>
+            <a:r>
+              <a:rPr lang="nl-NL" dirty="0" smtClean="0">
+                <a:latin typeface="Comic Sans MS"/>
+                <a:cs typeface="Comic Sans MS"/>
+              </a:rPr>
+              <a:t>he </a:t>
             </a:r>
             <a:r>
               <a:rPr lang="nl-NL" dirty="0" err="1" smtClean="0">
@@ -14628,14 +14522,14 @@
                 <a:latin typeface="Comic Sans MS"/>
                 <a:cs typeface="Comic Sans MS"/>
               </a:rPr>
-              <a:t> is </a:t>
-            </a:r>
-            <a:r>
-              <a:rPr lang="nl-NL" dirty="0" err="1" smtClean="0">
-                <a:latin typeface="Comic Sans MS"/>
-                <a:cs typeface="Comic Sans MS"/>
-              </a:rPr>
-              <a:t>not</a:t>
+              <a:t> </a:t>
+            </a:r>
+            <a:r>
+              <a:rPr lang="nl-NL" dirty="0" err="1" smtClean="0">
+                <a:latin typeface="Comic Sans MS"/>
+                <a:cs typeface="Comic Sans MS"/>
+              </a:rPr>
+              <a:t>to</a:t>
             </a:r>
             <a:r>
               <a:rPr lang="nl-NL" dirty="0" smtClean="0">
@@ -14679,41 +14573,6 @@
               <a:buChar char="•"/>
             </a:pPr>
             <a:r>
-              <a:rPr lang="nl-NL" dirty="0" smtClean="0">
-                <a:latin typeface="Comic Sans MS"/>
-                <a:cs typeface="Comic Sans MS"/>
-              </a:rPr>
-              <a:t>We </a:t>
-            </a:r>
-            <a:r>
-              <a:rPr lang="nl-NL" dirty="0" err="1" smtClean="0">
-                <a:latin typeface="Comic Sans MS"/>
-                <a:cs typeface="Comic Sans MS"/>
-              </a:rPr>
-              <a:t>would</a:t>
-            </a:r>
-            <a:r>
-              <a:rPr lang="nl-NL" dirty="0" smtClean="0">
-                <a:latin typeface="Comic Sans MS"/>
-                <a:cs typeface="Comic Sans MS"/>
-              </a:rPr>
-              <a:t> </a:t>
-            </a:r>
-            <a:r>
-              <a:rPr lang="nl-NL" dirty="0" err="1" smtClean="0">
-                <a:latin typeface="Comic Sans MS"/>
-                <a:cs typeface="Comic Sans MS"/>
-              </a:rPr>
-              <a:t>like</a:t>
-            </a:r>
-            <a:r>
-              <a:rPr lang="nl-NL" dirty="0" smtClean="0">
-                <a:latin typeface="Comic Sans MS"/>
-                <a:cs typeface="Comic Sans MS"/>
-              </a:rPr>
-              <a:t> </a:t>
-            </a:r>
-            <a:r>
               <a:rPr lang="nl-NL" dirty="0" err="1" smtClean="0">
                 <a:latin typeface="Comic Sans MS"/>
                 <a:cs typeface="Comic Sans MS"/>
@@ -14748,11 +14607,18 @@
               <a:buChar char="•"/>
             </a:pPr>
             <a:r>
-              <a:rPr lang="nl-NL" dirty="0" err="1" smtClean="0">
-                <a:latin typeface="Comic Sans MS"/>
-                <a:cs typeface="Comic Sans MS"/>
-              </a:rPr>
-              <a:t>You</a:t>
+              <a:rPr lang="nl-NL" dirty="0" err="1">
+                <a:latin typeface="Comic Sans MS"/>
+                <a:cs typeface="Comic Sans MS"/>
+              </a:rPr>
+              <a:t>t</a:t>
+            </a:r>
+            <a:r>
+              <a:rPr lang="nl-NL" dirty="0" err="1" smtClean="0">
+                <a:latin typeface="Comic Sans MS"/>
+                <a:cs typeface="Comic Sans MS"/>
+              </a:rPr>
+              <a:t>o</a:t>
             </a:r>
             <a:r>
               <a:rPr lang="nl-NL" dirty="0" smtClean="0">
@@ -14766,7 +14632,7 @@
                 <a:latin typeface="Comic Sans MS"/>
                 <a:cs typeface="Comic Sans MS"/>
               </a:rPr>
-              <a:t>cannot</a:t>
+              <a:t>be</a:t>
             </a:r>
             <a:r>
               <a:rPr lang="nl-NL" dirty="0" smtClean="0">
@@ -14780,14 +14646,35 @@
                 <a:latin typeface="Comic Sans MS"/>
                 <a:cs typeface="Comic Sans MS"/>
               </a:rPr>
-              <a:t>yet</a:t>
-            </a:r>
-            <a:r>
-              <a:rPr lang="nl-NL" dirty="0" smtClean="0">
-                <a:latin typeface="Comic Sans MS"/>
-                <a:cs typeface="Comic Sans MS"/>
-              </a:rPr>
-              <a:t> win the game.</a:t>
+              <a:t>able</a:t>
+            </a:r>
+            <a:r>
+              <a:rPr lang="nl-NL" dirty="0" smtClean="0">
+                <a:latin typeface="Comic Sans MS"/>
+                <a:cs typeface="Comic Sans MS"/>
+              </a:rPr>
+              <a:t> </a:t>
+            </a:r>
+            <a:r>
+              <a:rPr lang="nl-NL" dirty="0" err="1" smtClean="0">
+                <a:latin typeface="Comic Sans MS"/>
+                <a:cs typeface="Comic Sans MS"/>
+              </a:rPr>
+              <a:t>to</a:t>
+            </a:r>
+            <a:r>
+              <a:rPr lang="nl-NL" dirty="0" smtClean="0">
+                <a:latin typeface="Comic Sans MS"/>
+                <a:cs typeface="Comic Sans MS"/>
+              </a:rPr>
+              <a:t> </a:t>
+            </a:r>
+            <a:r>
+              <a:rPr lang="nl-NL" dirty="0" smtClean="0">
+                <a:latin typeface="Comic Sans MS"/>
+                <a:cs typeface="Comic Sans MS"/>
+              </a:rPr>
+              <a:t>win the game.</a:t>
             </a:r>
           </a:p>
         </p:txBody>
@@ -15698,18 +15585,14 @@
               </a:rPr>
               <a:t>.</a:t>
             </a:r>
+          </a:p>
+          <a:p>
             <a:endParaRPr lang="nl-NL" dirty="0" smtClean="0">
               <a:latin typeface="Comic Sans MS"/>
               <a:cs typeface="Comic Sans MS"/>
             </a:endParaRPr>
           </a:p>
           <a:p>
-            <a:endParaRPr lang="nl-NL" dirty="0" smtClean="0">
-              <a:latin typeface="Comic Sans MS"/>
-              <a:cs typeface="Comic Sans MS"/>
-            </a:endParaRPr>
-          </a:p>
-          <a:p>
             <a:r>
               <a:rPr lang="nl-NL" dirty="0" smtClean="0">
                 <a:latin typeface="Comic Sans MS"/>
@@ -15789,14 +15672,7 @@
                 <a:latin typeface="Comic Sans MS"/>
                 <a:cs typeface="Comic Sans MS"/>
               </a:rPr>
-              <a:t> the building block</a:t>
-            </a:r>
-            <a:r>
-              <a:rPr lang="nl-NL" dirty="0" smtClean="0">
-                <a:latin typeface="Comic Sans MS"/>
-                <a:cs typeface="Comic Sans MS"/>
-              </a:rPr>
-              <a:t> ‘</a:t>
+              <a:t> the building block ‘</a:t>
             </a:r>
             <a:r>
               <a:rPr lang="nl-NL" dirty="0">
@@ -15830,18 +15706,11 @@
               <a:t> the program </a:t>
             </a:r>
             <a:r>
-              <a:rPr lang="nl-NL" dirty="0" err="1" smtClean="0">
-                <a:latin typeface="Comic Sans MS"/>
-                <a:cs typeface="Comic Sans MS"/>
-              </a:rPr>
-              <a:t>pamel</a:t>
-            </a:r>
-            <a:r>
-              <a:rPr lang="nl-NL" dirty="0" smtClean="0">
-                <a:latin typeface="Comic Sans MS"/>
-                <a:cs typeface="Comic Sans MS"/>
-              </a:rPr>
-              <a:t> </a:t>
+              <a:rPr lang="nl-NL" dirty="0" smtClean="0">
+                <a:latin typeface="Comic Sans MS"/>
+                <a:cs typeface="Comic Sans MS"/>
+              </a:rPr>
+              <a:t>panel </a:t>
             </a:r>
             <a:r>
               <a:rPr lang="nl-NL" dirty="0" err="1" smtClean="0">
@@ -16771,10 +16640,6 @@
               </a:rPr>
               <a:t> goal.</a:t>
             </a:r>
-            <a:endParaRPr lang="nl-NL" dirty="0" smtClean="0">
-              <a:latin typeface="Comic Sans MS"/>
-              <a:cs typeface="Comic Sans MS"/>
-            </a:endParaRPr>
           </a:p>
           <a:p>
             <a:endParaRPr lang="nl-NL" dirty="0">
@@ -16795,10 +16660,10 @@
                 <a:latin typeface="Comic Sans MS"/>
                 <a:cs typeface="Comic Sans MS"/>
               </a:rPr>
-              <a:t>The </a:t>
-            </a:r>
-            <a:r>
-              <a:rPr lang="nl-NL" strike="sngStrike" dirty="0" err="1" smtClean="0">
+              <a:t>the </a:t>
+            </a:r>
+            <a:r>
+              <a:rPr lang="nl-NL" strike="sngStrike" dirty="0" err="1">
                 <a:solidFill>
                   <a:srgbClr val="FF0000"/>
                 </a:solidFill>
@@ -16808,27 +16673,27 @@
               <a:t>diver</a:t>
             </a:r>
             <a:r>
-              <a:rPr lang="nl-NL" strike="sngStrike" dirty="0" smtClean="0">
+              <a:rPr lang="nl-NL" strike="sngStrike" dirty="0">
                 <a:solidFill>
                   <a:srgbClr val="FF0000"/>
                 </a:solidFill>
                 <a:latin typeface="Comic Sans MS"/>
                 <a:cs typeface="Comic Sans MS"/>
               </a:rPr>
-              <a:t> is </a:t>
-            </a:r>
-            <a:r>
-              <a:rPr lang="nl-NL" strike="sngStrike" dirty="0" err="1" smtClean="0">
+              <a:t> </a:t>
+            </a:r>
+            <a:r>
+              <a:rPr lang="nl-NL" strike="sngStrike" dirty="0" err="1">
                 <a:solidFill>
                   <a:srgbClr val="FF0000"/>
                 </a:solidFill>
                 <a:latin typeface="Comic Sans MS"/>
                 <a:cs typeface="Comic Sans MS"/>
               </a:rPr>
-              <a:t>not</a:t>
-            </a:r>
-            <a:r>
-              <a:rPr lang="nl-NL" strike="sngStrike" dirty="0" smtClean="0">
+              <a:t>to</a:t>
+            </a:r>
+            <a:r>
+              <a:rPr lang="nl-NL" strike="sngStrike" dirty="0">
                 <a:solidFill>
                   <a:srgbClr val="FF0000"/>
                 </a:solidFill>
@@ -16838,7 +16703,7 @@
               <a:t> </a:t>
             </a:r>
             <a:r>
-              <a:rPr lang="nl-NL" strike="sngStrike" dirty="0" err="1" smtClean="0">
+              <a:rPr lang="nl-NL" strike="sngStrike" dirty="0" err="1">
                 <a:solidFill>
                   <a:srgbClr val="FF0000"/>
                 </a:solidFill>
@@ -16848,7 +16713,7 @@
               <a:t>following</a:t>
             </a:r>
             <a:r>
-              <a:rPr lang="nl-NL" strike="sngStrike" dirty="0" smtClean="0">
+              <a:rPr lang="nl-NL" strike="sngStrike" dirty="0">
                 <a:solidFill>
                   <a:srgbClr val="FF0000"/>
                 </a:solidFill>
@@ -16858,7 +16723,7 @@
               <a:t> </a:t>
             </a:r>
             <a:r>
-              <a:rPr lang="nl-NL" strike="sngStrike" dirty="0" err="1" smtClean="0">
+              <a:rPr lang="nl-NL" strike="sngStrike" dirty="0" err="1">
                 <a:solidFill>
                   <a:srgbClr val="FF0000"/>
                 </a:solidFill>
@@ -16868,26 +16733,15 @@
               <a:t>our</a:t>
             </a:r>
             <a:r>
-              <a:rPr lang="nl-NL" strike="sngStrike" dirty="0" smtClean="0">
+              <a:rPr lang="nl-NL" strike="sngStrike" dirty="0">
                 <a:solidFill>
                   <a:srgbClr val="FF0000"/>
                 </a:solidFill>
                 <a:latin typeface="Comic Sans MS"/>
                 <a:cs typeface="Comic Sans MS"/>
               </a:rPr>
-              <a:t> hand</a:t>
-            </a:r>
-            <a:r>
-              <a:rPr lang="nl-NL" dirty="0" smtClean="0">
-                <a:latin typeface="Comic Sans MS"/>
-                <a:cs typeface="Comic Sans MS"/>
-              </a:rPr>
-              <a:t>.</a:t>
-            </a:r>
-            <a:endParaRPr lang="nl-NL" dirty="0">
-              <a:latin typeface="Comic Sans MS"/>
-              <a:cs typeface="Comic Sans MS"/>
-            </a:endParaRPr>
+              <a:t> hand.</a:t>
+            </a:r>
           </a:p>
           <a:p>
             <a:pPr marL="285750" indent="-285750">
@@ -16895,41 +16749,6 @@
               <a:buChar char="•"/>
             </a:pPr>
             <a:r>
-              <a:rPr lang="nl-NL" dirty="0">
-                <a:latin typeface="Comic Sans MS"/>
-                <a:cs typeface="Comic Sans MS"/>
-              </a:rPr>
-              <a:t>We </a:t>
-            </a:r>
-            <a:r>
-              <a:rPr lang="nl-NL" dirty="0" err="1">
-                <a:latin typeface="Comic Sans MS"/>
-                <a:cs typeface="Comic Sans MS"/>
-              </a:rPr>
-              <a:t>would</a:t>
-            </a:r>
-            <a:r>
-              <a:rPr lang="nl-NL" dirty="0">
-                <a:latin typeface="Comic Sans MS"/>
-                <a:cs typeface="Comic Sans MS"/>
-              </a:rPr>
-              <a:t> </a:t>
-            </a:r>
-            <a:r>
-              <a:rPr lang="nl-NL" dirty="0" err="1">
-                <a:latin typeface="Comic Sans MS"/>
-                <a:cs typeface="Comic Sans MS"/>
-              </a:rPr>
-              <a:t>like</a:t>
-            </a:r>
-            <a:r>
-              <a:rPr lang="nl-NL" dirty="0">
-                <a:latin typeface="Comic Sans MS"/>
-                <a:cs typeface="Comic Sans MS"/>
-              </a:rPr>
-              <a:t> </a:t>
-            </a:r>
-            <a:r>
               <a:rPr lang="nl-NL" dirty="0" err="1">
                 <a:latin typeface="Comic Sans MS"/>
                 <a:cs typeface="Comic Sans MS"/>
@@ -16968,7 +16787,7 @@
                 <a:latin typeface="Comic Sans MS"/>
                 <a:cs typeface="Comic Sans MS"/>
               </a:rPr>
-              <a:t>You</a:t>
+              <a:t>to</a:t>
             </a:r>
             <a:r>
               <a:rPr lang="nl-NL" dirty="0">
@@ -16982,7 +16801,7 @@
                 <a:latin typeface="Comic Sans MS"/>
                 <a:cs typeface="Comic Sans MS"/>
               </a:rPr>
-              <a:t>cannot</a:t>
+              <a:t>be</a:t>
             </a:r>
             <a:r>
               <a:rPr lang="nl-NL" dirty="0">
@@ -16996,7 +16815,21 @@
                 <a:latin typeface="Comic Sans MS"/>
                 <a:cs typeface="Comic Sans MS"/>
               </a:rPr>
-              <a:t>yet</a:t>
+              <a:t>able</a:t>
+            </a:r>
+            <a:r>
+              <a:rPr lang="nl-NL" dirty="0">
+                <a:latin typeface="Comic Sans MS"/>
+                <a:cs typeface="Comic Sans MS"/>
+              </a:rPr>
+              <a:t> </a:t>
+            </a:r>
+            <a:r>
+              <a:rPr lang="nl-NL" dirty="0" err="1">
+                <a:latin typeface="Comic Sans MS"/>
+                <a:cs typeface="Comic Sans MS"/>
+              </a:rPr>
+              <a:t>to</a:t>
             </a:r>
             <a:r>
               <a:rPr lang="nl-NL" dirty="0">
@@ -17126,14 +16959,7 @@
                 <a:latin typeface="Comic Sans MS"/>
                 <a:cs typeface="Comic Sans MS"/>
               </a:rPr>
-              <a:t>add</a:t>
-            </a:r>
-            <a:r>
-              <a:rPr lang="nl-NL" dirty="0" err="1" smtClean="0">
-                <a:latin typeface="Comic Sans MS"/>
-                <a:cs typeface="Comic Sans MS"/>
-              </a:rPr>
-              <a:t>ing</a:t>
+              <a:t>adding</a:t>
             </a:r>
             <a:r>
               <a:rPr lang="nl-NL" dirty="0" smtClean="0">
@@ -17156,10 +16982,6 @@
               </a:rPr>
               <a:t>.</a:t>
             </a:r>
-            <a:endParaRPr lang="nl-NL" dirty="0" smtClean="0">
-              <a:latin typeface="Comic Sans MS"/>
-              <a:cs typeface="Comic Sans MS"/>
-            </a:endParaRPr>
           </a:p>
           <a:p>
             <a:endParaRPr lang="nl-NL" dirty="0"/>
@@ -17372,14 +17194,7 @@
                 <a:latin typeface="Comic Sans MS"/>
                 <a:cs typeface="Comic Sans MS"/>
               </a:rPr>
-              <a:t>ca</a:t>
-            </a:r>
-            <a:r>
-              <a:rPr lang="nl-NL" dirty="0" err="1" smtClean="0">
-                <a:latin typeface="Comic Sans MS"/>
-                <a:cs typeface="Comic Sans MS"/>
-              </a:rPr>
-              <a:t>n</a:t>
+              <a:t>can</a:t>
             </a:r>
             <a:r>
               <a:rPr lang="nl-NL" dirty="0" smtClean="0">
@@ -17400,7 +17215,14 @@
                 <a:latin typeface="Comic Sans MS"/>
                 <a:cs typeface="Comic Sans MS"/>
               </a:rPr>
-              <a:t> a new sprit </a:t>
+              <a:t> a new </a:t>
+            </a:r>
+            <a:r>
+              <a:rPr lang="nl-NL" dirty="0" smtClean="0">
+                <a:latin typeface="Comic Sans MS"/>
+                <a:cs typeface="Comic Sans MS"/>
+              </a:rPr>
+              <a:t>sprit </a:t>
             </a:r>
             <a:r>
               <a:rPr lang="nl-NL" dirty="0" err="1" smtClean="0">
@@ -17428,7 +17250,17 @@
                 <a:latin typeface="Comic Sans MS"/>
                 <a:cs typeface="Comic Sans MS"/>
               </a:rPr>
-              <a:t> on the </a:t>
+              <a:t> </a:t>
+            </a:r>
+          </a:p>
+          <a:p>
+            <a:pPr algn="r"/>
+            <a:r>
+              <a:rPr lang="nl-NL" dirty="0" smtClean="0">
+                <a:latin typeface="Comic Sans MS"/>
+                <a:cs typeface="Comic Sans MS"/>
+              </a:rPr>
+              <a:t>on the </a:t>
             </a:r>
             <a:r>
               <a:rPr lang="nl-NL" dirty="0" err="1" smtClean="0">
@@ -17442,7 +17274,14 @@
                 <a:latin typeface="Comic Sans MS"/>
                 <a:cs typeface="Comic Sans MS"/>
               </a:rPr>
-              <a:t> in the </a:t>
+              <a:t> </a:t>
+            </a:r>
+            <a:r>
+              <a:rPr lang="nl-NL" dirty="0" smtClean="0">
+                <a:latin typeface="Comic Sans MS"/>
+                <a:cs typeface="Comic Sans MS"/>
+              </a:rPr>
+              <a:t>in the </a:t>
             </a:r>
             <a:r>
               <a:rPr lang="nl-NL" dirty="0" err="1" smtClean="0">
@@ -17458,10 +17297,6 @@
               </a:rPr>
               <a:t> panel.</a:t>
             </a:r>
-            <a:endParaRPr lang="nl-NL" dirty="0" smtClean="0">
-              <a:latin typeface="Comic Sans MS"/>
-              <a:cs typeface="Comic Sans MS"/>
-            </a:endParaRPr>
           </a:p>
         </p:txBody>
       </p:sp>
@@ -17473,8 +17308,8 @@
         </p:nvSpPr>
         <p:spPr>
           <a:xfrm>
-            <a:off x="5534031" y="5176941"/>
-            <a:ext cx="3398762" cy="646331"/>
+            <a:off x="5762669" y="5176941"/>
+            <a:ext cx="3170124" cy="646331"/>
           </a:xfrm>
           <a:prstGeom prst="rect">
             <a:avLst/>
@@ -17578,28 +17413,78 @@
       </p:sp>
       <p:pic>
         <p:nvPicPr>
-          <p:cNvPr id="7" name="Afbeelding 6"/>
+          <p:cNvPr id="10" name="Picture 9" descr="Screen Shot 2015-09-11 at 16.47.13.png"/>
           <p:cNvPicPr>
             <a:picLocks noChangeAspect="1"/>
           </p:cNvPicPr>
           <p:nvPr/>
         </p:nvPicPr>
         <p:blipFill>
-          <a:blip r:embed="rId3"/>
+          <a:blip r:embed="rId3">
+            <a:extLst>
+              <a:ext uri="{28A0092B-C50C-407E-A947-70E740481C1C}">
+                <a14:useLocalDpi xmlns:a14="http://schemas.microsoft.com/office/drawing/2010/main" val="0"/>
+              </a:ext>
+            </a:extLst>
+          </a:blip>
           <a:stretch>
             <a:fillRect/>
           </a:stretch>
         </p:blipFill>
         <p:spPr>
           <a:xfrm>
-            <a:off x="433108" y="3032099"/>
-            <a:ext cx="5100923" cy="2791173"/>
+            <a:off x="593604" y="2798412"/>
+            <a:ext cx="4952208" cy="2830857"/>
           </a:xfrm>
           <a:prstGeom prst="rect">
             <a:avLst/>
           </a:prstGeom>
         </p:spPr>
       </p:pic>
+      <p:sp>
+        <p:nvSpPr>
+          <p:cNvPr id="3" name="Rounded Rectangle 2"/>
+          <p:cNvSpPr/>
+          <p:nvPr/>
+        </p:nvSpPr>
+        <p:spPr>
+          <a:xfrm>
+            <a:off x="1209023" y="3712142"/>
+            <a:ext cx="854865" cy="561706"/>
+          </a:xfrm>
+          <a:prstGeom prst="roundRect">
+            <a:avLst/>
+          </a:prstGeom>
+          <a:noFill/>
+          <a:ln w="57150" cmpd="sng">
+            <a:solidFill>
+              <a:schemeClr val="accent6"/>
+            </a:solidFill>
+          </a:ln>
+        </p:spPr>
+        <p:style>
+          <a:lnRef idx="1">
+            <a:schemeClr val="accent1"/>
+          </a:lnRef>
+          <a:fillRef idx="3">
+            <a:schemeClr val="accent1"/>
+          </a:fillRef>
+          <a:effectRef idx="2">
+            <a:schemeClr val="accent1"/>
+          </a:effectRef>
+          <a:fontRef idx="minor">
+            <a:schemeClr val="lt1"/>
+          </a:fontRef>
+        </p:style>
+        <p:txBody>
+          <a:bodyPr rtlCol="0" anchor="ctr"/>
+          <a:lstStyle/>
+          <a:p>
+            <a:pPr algn="ctr"/>
+            <a:endParaRPr lang="en-US"/>
+          </a:p>
+        </p:txBody>
+      </p:sp>
     </p:spTree>
     <p:extLst>
       <p:ext uri="{BB962C8B-B14F-4D97-AF65-F5344CB8AC3E}">
